--- a/HW3/r10943181_HW3.pptx
+++ b/HW3/r10943181_HW3.pptx
@@ -246,7 +246,7 @@
             <a:fld id="{F1E5FC5B-703B-46E4-B325-7F44849A055B}" type="datetimeFigureOut">
               <a:rPr lang="zh-TW" altLang="en-US" smtClean="0"/>
               <a:pPr/>
-              <a:t>2023/4/29</a:t>
+              <a:t>2023/4/30</a:t>
             </a:fld>
             <a:endParaRPr lang="zh-TW" altLang="en-US"/>
           </a:p>
@@ -4277,8 +4277,8 @@
           </a:p>
         </p:txBody>
       </p:sp>
-      <mc:AlternateContent xmlns:mc="http://schemas.openxmlformats.org/markup-compatibility/2006">
-        <mc:Choice xmlns:a14="http://schemas.microsoft.com/office/drawing/2010/main" Requires="a14">
+      <mc:AlternateContent xmlns:mc="http://schemas.openxmlformats.org/markup-compatibility/2006" xmlns:a14="http://schemas.microsoft.com/office/drawing/2010/main">
+        <mc:Choice Requires="a14">
           <p:sp>
             <p:nvSpPr>
               <p:cNvPr id="3" name="文字方塊 2">
@@ -4326,7 +4326,6 @@
                 <a:endParaRPr lang="en-US" altLang="zh-TW" sz="1800" dirty="0"/>
               </a:p>
               <a:p>
-                <a:pPr/>
                 <a:endParaRPr lang="en-US" altLang="zh-TW" sz="1800" i="1" dirty="0">
                   <a:latin typeface="Cambria Math" panose="02040503050406030204" pitchFamily="18" charset="0"/>
                 </a:endParaRPr>
@@ -4769,19 +4768,7 @@
                                     <a:rPr lang="en-US" altLang="zh-TW" sz="1800" i="1">
                                       <a:latin typeface="Cambria Math" panose="02040503050406030204" pitchFamily="18" charset="0"/>
                                     </a:rPr>
-                                    <m:t>−</m:t>
-                                  </m:r>
-                                  <m:r>
-                                    <a:rPr lang="en-US" altLang="zh-TW" sz="1800" i="1">
-                                      <a:latin typeface="Cambria Math" panose="02040503050406030204" pitchFamily="18" charset="0"/>
-                                    </a:rPr>
-                                    <m:t>2</m:t>
-                                  </m:r>
-                                  <m:r>
-                                    <a:rPr lang="en-US" altLang="zh-TW" sz="1800" i="1">
-                                      <a:latin typeface="Cambria Math" panose="02040503050406030204" pitchFamily="18" charset="0"/>
-                                    </a:rPr>
-                                    <m:t>5</m:t>
+                                    <m:t>−25</m:t>
                                   </m:r>
                                 </m:sup>
                               </m:sSup>
@@ -5555,7 +5542,7 @@
             </p:txBody>
           </p:sp>
         </mc:Choice>
-        <mc:Fallback>
+        <mc:Fallback xmlns="">
           <p:sp>
             <p:nvSpPr>
               <p:cNvPr id="3" name="文字方塊 2">
@@ -5902,7 +5889,6 @@
               </a:bodyPr>
               <a:lstStyle/>
               <a:p>
-                <a:pPr/>
                 <a:r>
                   <a:rPr lang="zh-TW" altLang="en-US" dirty="0"/>
                   <a:t>頻率：</a:t>
@@ -6228,24 +6214,20 @@
                   <a:buAutoNum type="alphaLcParenBoth"/>
                 </a:pPr>
                 <a:r>
-                  <a:rPr kumimoji="1" lang="zh-TW" altLang="en-US" dirty="0"/>
-                  <a:t>波長越長 </a:t>
+                  <a:rPr lang="zh-TW" altLang="en-US" dirty="0"/>
+                  <a:t>在頻率小於 </a:t>
                 </a:r>
                 <a:r>
-                  <a:rPr kumimoji="1" lang="en-US" altLang="zh-TW" dirty="0"/>
-                  <a:t>=&gt;</a:t>
+                  <a:rPr lang="en-US" altLang="zh-TW" dirty="0"/>
+                  <a:t>3000HZ</a:t>
+                </a:r>
+                <a:r>
+                  <a:rPr lang="zh-TW" altLang="en-US" dirty="0"/>
+                  <a:t> 的情況下，頻率越高人耳聽到聲音所需要的分貝數就越低</a:t>
                 </a:r>
                 <a:r>
                   <a:rPr kumimoji="1" lang="zh-TW" altLang="en-US" dirty="0"/>
-                  <a:t> 聽到的聲音越小，波長越短 </a:t>
-                </a:r>
-                <a:r>
-                  <a:rPr kumimoji="1" lang="en-US" altLang="zh-TW" dirty="0"/>
-                  <a:t>=&gt;</a:t>
-                </a:r>
-                <a:r>
-                  <a:rPr kumimoji="1" lang="zh-TW" altLang="en-US" dirty="0"/>
-                  <a:t> 聽到的聲音越大，</a:t>
+                  <a:t>，</a:t>
                 </a:r>
                 <a:r>
                   <a:rPr kumimoji="1" lang="en-US" altLang="zh-TW" dirty="0"/>
@@ -6257,19 +6239,23 @@
                 </a:r>
                 <a:r>
                   <a:rPr lang="zh-TW" altLang="en-US" dirty="0"/>
-                  <a:t>，波長最小，</a:t>
+                  <a:t>，</a:t>
                 </a:r>
                 <a:r>
                   <a:rPr kumimoji="1" lang="zh-TW" altLang="en-US" dirty="0"/>
-                  <a:t>所以 </a:t>
+                  <a:t>所以人耳聽到 </a:t>
                 </a:r>
                 <a:r>
-                  <a:rPr kumimoji="1" lang="en-US" altLang="zh-TW" dirty="0"/>
+                  <a:rPr lang="en-US" altLang="zh-TW" dirty="0"/>
                   <a:t>(iii)</a:t>
                 </a:r>
                 <a:r>
+                  <a:rPr lang="zh-TW" altLang="en-US" dirty="0"/>
+                  <a:t> </a:t>
+                </a:r>
+                <a:r>
                   <a:rPr kumimoji="1" lang="zh-TW" altLang="en-US" dirty="0"/>
-                  <a:t> 聽到的聲音越大。</a:t>
+                  <a:t>的聲音是最大的。</a:t>
                 </a:r>
                 <a:endParaRPr kumimoji="1" lang="en-US" altLang="zh-TW" dirty="0"/>
               </a:p>
@@ -6553,6 +6539,1263 @@
           </a:p>
         </p:txBody>
       </p:sp>
+      <mc:AlternateContent xmlns:mc="http://schemas.openxmlformats.org/markup-compatibility/2006">
+        <mc:Choice xmlns:a14="http://schemas.microsoft.com/office/drawing/2010/main" Requires="a14">
+          <p:sp>
+            <p:nvSpPr>
+              <p:cNvPr id="2" name="文字方塊 1">
+                <a:extLst>
+                  <a:ext uri="{FF2B5EF4-FFF2-40B4-BE49-F238E27FC236}">
+                    <a16:creationId xmlns:a16="http://schemas.microsoft.com/office/drawing/2014/main" id="{BD6B84E0-74A9-0DBD-964F-EADD5FA6DC0A}"/>
+                  </a:ext>
+                </a:extLst>
+              </p:cNvPr>
+              <p:cNvSpPr txBox="1"/>
+              <p:nvPr/>
+            </p:nvSpPr>
+            <p:spPr>
+              <a:xfrm>
+                <a:off x="281338" y="1988840"/>
+                <a:ext cx="8496944" cy="3990067"/>
+              </a:xfrm>
+              <a:prstGeom prst="rect">
+                <a:avLst/>
+              </a:prstGeom>
+              <a:noFill/>
+            </p:spPr>
+            <p:txBody>
+              <a:bodyPr wrap="square" rtlCol="0">
+                <a:spAutoFit/>
+              </a:bodyPr>
+              <a:lstStyle/>
+              <a:p>
+                <a:pPr marL="457200" indent="-457200">
+                  <a:buAutoNum type="alphaLcParenBoth"/>
+                </a:pPr>
+                <a:r>
+                  <a:rPr kumimoji="1" lang="zh-TW" altLang="en-US" dirty="0"/>
+                  <a:t>根據講義 </a:t>
+                </a:r>
+                <a:r>
+                  <a:rPr kumimoji="1" lang="en-US" altLang="zh-TW" dirty="0"/>
+                  <a:t>p.240</a:t>
+                </a:r>
+                <a:r>
+                  <a:rPr kumimoji="1" lang="zh-TW" altLang="en-US" dirty="0"/>
+                  <a:t>，</a:t>
+                </a:r>
+                <a:endParaRPr kumimoji="1" lang="en-US" altLang="zh-TW" dirty="0"/>
+              </a:p>
+              <a:p>
+                <a:pPr/>
+                <a14:m>
+                  <m:oMathPara xmlns:m="http://schemas.openxmlformats.org/officeDocument/2006/math">
+                    <m:oMathParaPr>
+                      <m:jc m:val="center"/>
+                    </m:oMathParaPr>
+                    <m:oMath xmlns:m="http://schemas.openxmlformats.org/officeDocument/2006/math">
+                      <m:sSub>
+                        <m:sSubPr>
+                          <m:ctrlPr>
+                            <a:rPr lang="en-US" altLang="zh-TW" i="1">
+                              <a:latin typeface="Cambria Math" panose="02040503050406030204" pitchFamily="18" charset="0"/>
+                            </a:rPr>
+                          </m:ctrlPr>
+                        </m:sSubPr>
+                        <m:e>
+                          <m:r>
+                            <a:rPr lang="en-US" altLang="zh-TW" i="1">
+                              <a:latin typeface="Cambria Math" panose="02040503050406030204" pitchFamily="18" charset="0"/>
+                            </a:rPr>
+                            <m:t>𝑓</m:t>
+                          </m:r>
+                        </m:e>
+                        <m:sub>
+                          <m:r>
+                            <a:rPr lang="en-US" altLang="zh-TW" i="1">
+                              <a:latin typeface="Cambria Math" panose="02040503050406030204" pitchFamily="18" charset="0"/>
+                            </a:rPr>
+                            <m:t>0</m:t>
+                          </m:r>
+                        </m:sub>
+                      </m:sSub>
+                      <m:r>
+                        <a:rPr lang="en-US" altLang="zh-TW" i="1">
+                          <a:latin typeface="Cambria Math" panose="02040503050406030204" pitchFamily="18" charset="0"/>
+                          <a:ea typeface="Cambria Math" panose="02040503050406030204" pitchFamily="18" charset="0"/>
+                        </a:rPr>
+                        <m:t>∙</m:t>
+                      </m:r>
+                      <m:sSup>
+                        <m:sSupPr>
+                          <m:ctrlPr>
+                            <a:rPr lang="en-US" altLang="zh-TW" i="1">
+                              <a:latin typeface="Cambria Math" panose="02040503050406030204" pitchFamily="18" charset="0"/>
+                              <a:ea typeface="Cambria Math" panose="02040503050406030204" pitchFamily="18" charset="0"/>
+                            </a:rPr>
+                          </m:ctrlPr>
+                        </m:sSupPr>
+                        <m:e>
+                          <m:r>
+                            <a:rPr lang="en-US" altLang="zh-TW" i="1">
+                              <a:latin typeface="Cambria Math" panose="02040503050406030204" pitchFamily="18" charset="0"/>
+                              <a:ea typeface="Cambria Math" panose="02040503050406030204" pitchFamily="18" charset="0"/>
+                            </a:rPr>
+                            <m:t>2</m:t>
+                          </m:r>
+                        </m:e>
+                        <m:sup>
+                          <m:f>
+                            <m:fPr>
+                              <m:ctrlPr>
+                                <a:rPr lang="en-US" altLang="zh-TW" i="1">
+                                  <a:latin typeface="Cambria Math" panose="02040503050406030204" pitchFamily="18" charset="0"/>
+                                  <a:ea typeface="Cambria Math" panose="02040503050406030204" pitchFamily="18" charset="0"/>
+                                </a:rPr>
+                              </m:ctrlPr>
+                            </m:fPr>
+                            <m:num>
+                              <m:r>
+                                <a:rPr lang="en-US" altLang="zh-TW" i="1">
+                                  <a:latin typeface="Cambria Math" panose="02040503050406030204" pitchFamily="18" charset="0"/>
+                                  <a:ea typeface="Cambria Math" panose="02040503050406030204" pitchFamily="18" charset="0"/>
+                                </a:rPr>
+                                <m:t>𝑘</m:t>
+                              </m:r>
+                            </m:num>
+                            <m:den>
+                              <m:r>
+                                <a:rPr lang="en-US" altLang="zh-TW" i="1">
+                                  <a:latin typeface="Cambria Math" panose="02040503050406030204" pitchFamily="18" charset="0"/>
+                                  <a:ea typeface="Cambria Math" panose="02040503050406030204" pitchFamily="18" charset="0"/>
+                                </a:rPr>
+                                <m:t>12</m:t>
+                              </m:r>
+                            </m:den>
+                          </m:f>
+                        </m:sup>
+                      </m:sSup>
+                      <m:r>
+                        <a:rPr lang="zh-TW" altLang="en-US" i="1">
+                          <a:latin typeface="Cambria Math" panose="02040503050406030204" pitchFamily="18" charset="0"/>
+                          <a:ea typeface="Cambria Math" panose="02040503050406030204" pitchFamily="18" charset="0"/>
+                        </a:rPr>
+                        <m:t> </m:t>
+                      </m:r>
+                      <m:r>
+                        <a:rPr lang="en-US" altLang="zh-TW" i="1">
+                          <a:latin typeface="Cambria Math" panose="02040503050406030204" pitchFamily="18" charset="0"/>
+                          <a:ea typeface="Cambria Math" panose="02040503050406030204" pitchFamily="18" charset="0"/>
+                        </a:rPr>
+                        <m:t>𝐻𝑍</m:t>
+                      </m:r>
+                      <m:r>
+                        <a:rPr lang="en-US" altLang="zh-TW" i="1">
+                          <a:latin typeface="Cambria Math" panose="02040503050406030204" pitchFamily="18" charset="0"/>
+                          <a:ea typeface="Cambria Math" panose="02040503050406030204" pitchFamily="18" charset="0"/>
+                        </a:rPr>
+                        <m:t>,</m:t>
+                      </m:r>
+                      <m:sSub>
+                        <m:sSubPr>
+                          <m:ctrlPr>
+                            <a:rPr lang="en-US" altLang="zh-TW" i="1">
+                              <a:latin typeface="Cambria Math" panose="02040503050406030204" pitchFamily="18" charset="0"/>
+                            </a:rPr>
+                          </m:ctrlPr>
+                        </m:sSubPr>
+                        <m:e>
+                          <m:r>
+                            <a:rPr lang="zh-TW" altLang="en-US" i="1">
+                              <a:latin typeface="Cambria Math" panose="02040503050406030204" pitchFamily="18" charset="0"/>
+                            </a:rPr>
+                            <m:t> </m:t>
+                          </m:r>
+                          <m:r>
+                            <a:rPr lang="en-US" altLang="zh-TW" i="1">
+                              <a:latin typeface="Cambria Math" panose="02040503050406030204" pitchFamily="18" charset="0"/>
+                            </a:rPr>
+                            <m:t>𝑓</m:t>
+                          </m:r>
+                        </m:e>
+                        <m:sub>
+                          <m:r>
+                            <a:rPr lang="en-US" altLang="zh-TW" i="1">
+                              <a:latin typeface="Cambria Math" panose="02040503050406030204" pitchFamily="18" charset="0"/>
+                            </a:rPr>
+                            <m:t>0</m:t>
+                          </m:r>
+                        </m:sub>
+                      </m:sSub>
+                      <m:r>
+                        <a:rPr lang="en-US" altLang="zh-TW" i="1">
+                          <a:latin typeface="Cambria Math" panose="02040503050406030204" pitchFamily="18" charset="0"/>
+                        </a:rPr>
+                        <m:t>=</m:t>
+                      </m:r>
+                      <m:r>
+                        <a:rPr lang="en-US" altLang="zh-TW" i="1">
+                          <a:latin typeface="Cambria Math" panose="02040503050406030204" pitchFamily="18" charset="0"/>
+                        </a:rPr>
+                        <m:t>𝑓𝑟𝑒𝑞𝑢𝑒𝑛𝑐𝑦</m:t>
+                      </m:r>
+                      <m:r>
+                        <a:rPr lang="zh-TW" altLang="en-US" i="1">
+                          <a:latin typeface="Cambria Math" panose="02040503050406030204" pitchFamily="18" charset="0"/>
+                        </a:rPr>
+                        <m:t> </m:t>
+                      </m:r>
+                      <m:r>
+                        <a:rPr lang="en-US" altLang="zh-TW" i="1">
+                          <a:latin typeface="Cambria Math" panose="02040503050406030204" pitchFamily="18" charset="0"/>
+                        </a:rPr>
+                        <m:t>𝑜𝑓</m:t>
+                      </m:r>
+                      <m:r>
+                        <a:rPr lang="zh-TW" altLang="en-US" i="1">
+                          <a:latin typeface="Cambria Math" panose="02040503050406030204" pitchFamily="18" charset="0"/>
+                        </a:rPr>
+                        <m:t> </m:t>
+                      </m:r>
+                      <m:r>
+                        <a:rPr lang="en-US" altLang="zh-TW" i="1">
+                          <a:latin typeface="Cambria Math" panose="02040503050406030204" pitchFamily="18" charset="0"/>
+                        </a:rPr>
+                        <m:t>𝐷𝑜</m:t>
+                      </m:r>
+                      <m:r>
+                        <a:rPr lang="en-US" altLang="zh-TW" i="1">
+                          <a:latin typeface="Cambria Math" panose="02040503050406030204" pitchFamily="18" charset="0"/>
+                        </a:rPr>
+                        <m:t>,</m:t>
+                      </m:r>
+                      <m:r>
+                        <a:rPr lang="zh-TW" altLang="en-US" i="1">
+                          <a:latin typeface="Cambria Math" panose="02040503050406030204" pitchFamily="18" charset="0"/>
+                        </a:rPr>
+                        <m:t> </m:t>
+                      </m:r>
+                      <m:r>
+                        <a:rPr lang="en-US" altLang="zh-TW" i="1">
+                          <a:latin typeface="Cambria Math" panose="02040503050406030204" pitchFamily="18" charset="0"/>
+                        </a:rPr>
+                        <m:t>𝑘</m:t>
+                      </m:r>
+                      <m:r>
+                        <a:rPr lang="en-US" altLang="zh-TW" i="1">
+                          <a:latin typeface="Cambria Math" panose="02040503050406030204" pitchFamily="18" charset="0"/>
+                        </a:rPr>
+                        <m:t>=</m:t>
+                      </m:r>
+                      <m:r>
+                        <a:rPr lang="zh-TW" altLang="en-US" i="1">
+                          <a:latin typeface="Cambria Math" panose="02040503050406030204" pitchFamily="18" charset="0"/>
+                        </a:rPr>
+                        <m:t>和</m:t>
+                      </m:r>
+                      <m:r>
+                        <a:rPr lang="zh-TW" altLang="en-US" i="1">
+                          <a:latin typeface="Cambria Math" panose="02040503050406030204" pitchFamily="18" charset="0"/>
+                        </a:rPr>
+                        <m:t> </m:t>
+                      </m:r>
+                      <m:r>
+                        <a:rPr lang="en-US" altLang="zh-TW" i="1">
+                          <a:latin typeface="Cambria Math" panose="02040503050406030204" pitchFamily="18" charset="0"/>
+                        </a:rPr>
+                        <m:t>𝐷𝑜</m:t>
+                      </m:r>
+                      <m:r>
+                        <a:rPr lang="zh-TW" altLang="en-US" i="1">
+                          <a:latin typeface="Cambria Math" panose="02040503050406030204" pitchFamily="18" charset="0"/>
+                        </a:rPr>
+                        <m:t> </m:t>
+                      </m:r>
+                      <m:r>
+                        <a:rPr lang="zh-TW" altLang="en-US" i="1">
+                          <a:latin typeface="Cambria Math" panose="02040503050406030204" pitchFamily="18" charset="0"/>
+                        </a:rPr>
+                        <m:t>差多少個半音</m:t>
+                      </m:r>
+                    </m:oMath>
+                  </m:oMathPara>
+                </a14:m>
+                <a:endParaRPr lang="en-US" altLang="zh-TW" dirty="0"/>
+              </a:p>
+              <a:p>
+                <a:r>
+                  <a:rPr lang="en-US" altLang="zh-TW" dirty="0"/>
+                  <a:t>Mi</a:t>
+                </a:r>
+                <a:r>
+                  <a:rPr lang="zh-TW" altLang="en-US" dirty="0"/>
+                  <a:t> 和 </a:t>
+                </a:r>
+                <a:r>
+                  <a:rPr lang="en-US" altLang="zh-TW" dirty="0"/>
+                  <a:t>Do</a:t>
+                </a:r>
+                <a:r>
+                  <a:rPr lang="zh-TW" altLang="en-US" dirty="0"/>
+                  <a:t> 差 </a:t>
+                </a:r>
+                <a:r>
+                  <a:rPr lang="en-US" altLang="zh-TW" dirty="0"/>
+                  <a:t>4</a:t>
+                </a:r>
+                <a:r>
+                  <a:rPr lang="zh-TW" altLang="en-US" dirty="0"/>
+                  <a:t> 個半音，</a:t>
+                </a:r>
+                <a14:m>
+                  <m:oMath xmlns:m="http://schemas.openxmlformats.org/officeDocument/2006/math">
+                    <m:r>
+                      <m:rPr>
+                        <m:nor/>
+                      </m:rPr>
+                      <a:rPr lang="en-US" altLang="zh-TW" dirty="0"/>
+                      <m:t>frequenc</m:t>
+                    </m:r>
+                    <m:r>
+                      <m:rPr>
+                        <m:nor/>
+                      </m:rPr>
+                      <a:rPr lang="en-US" altLang="zh-TW" b="0" i="0" dirty="0" smtClean="0"/>
+                      <m:t>y</m:t>
+                    </m:r>
+                    <m:r>
+                      <m:rPr>
+                        <m:nor/>
+                      </m:rPr>
+                      <a:rPr lang="en-US" altLang="zh-TW" dirty="0"/>
+                      <m:t> </m:t>
+                    </m:r>
+                    <m:r>
+                      <m:rPr>
+                        <m:nor/>
+                      </m:rPr>
+                      <a:rPr lang="en-US" altLang="zh-TW" dirty="0"/>
+                      <m:t>of</m:t>
+                    </m:r>
+                    <m:r>
+                      <m:rPr>
+                        <m:nor/>
+                      </m:rPr>
+                      <a:rPr lang="en-US" altLang="zh-TW" dirty="0"/>
+                      <m:t> </m:t>
+                    </m:r>
+                    <m:r>
+                      <m:rPr>
+                        <m:nor/>
+                      </m:rPr>
+                      <a:rPr lang="en-US" altLang="zh-TW" dirty="0"/>
+                      <m:t>Mi</m:t>
+                    </m:r>
+                    <m:r>
+                      <m:rPr>
+                        <m:nor/>
+                      </m:rPr>
+                      <a:rPr lang="zh-TW" altLang="en-US" dirty="0"/>
+                      <m:t> </m:t>
+                    </m:r>
+                    <m:r>
+                      <m:rPr>
+                        <m:nor/>
+                      </m:rPr>
+                      <a:rPr lang="en-US" altLang="zh-TW" dirty="0"/>
+                      <m:t>:</m:t>
+                    </m:r>
+                    <m:r>
+                      <m:rPr>
+                        <m:nor/>
+                      </m:rPr>
+                      <a:rPr lang="zh-TW" altLang="en-US" dirty="0"/>
+                      <m:t> </m:t>
+                    </m:r>
+                    <m:r>
+                      <m:rPr>
+                        <m:nor/>
+                      </m:rPr>
+                      <a:rPr lang="en-US" altLang="zh-TW" dirty="0"/>
+                      <m:t>240</m:t>
+                    </m:r>
+                    <m:r>
+                      <a:rPr lang="en-US" altLang="zh-TW" i="1">
+                        <a:latin typeface="Cambria Math" panose="02040503050406030204" pitchFamily="18" charset="0"/>
+                        <a:ea typeface="Cambria Math" panose="02040503050406030204" pitchFamily="18" charset="0"/>
+                      </a:rPr>
+                      <m:t>∙</m:t>
+                    </m:r>
+                    <m:sSup>
+                      <m:sSupPr>
+                        <m:ctrlPr>
+                          <a:rPr lang="en-US" altLang="zh-TW" i="1">
+                            <a:latin typeface="Cambria Math" panose="02040503050406030204" pitchFamily="18" charset="0"/>
+                            <a:ea typeface="Cambria Math" panose="02040503050406030204" pitchFamily="18" charset="0"/>
+                          </a:rPr>
+                        </m:ctrlPr>
+                      </m:sSupPr>
+                      <m:e>
+                        <m:r>
+                          <a:rPr lang="en-US" altLang="zh-TW" i="1">
+                            <a:latin typeface="Cambria Math" panose="02040503050406030204" pitchFamily="18" charset="0"/>
+                            <a:ea typeface="Cambria Math" panose="02040503050406030204" pitchFamily="18" charset="0"/>
+                          </a:rPr>
+                          <m:t>2</m:t>
+                        </m:r>
+                      </m:e>
+                      <m:sup>
+                        <m:f>
+                          <m:fPr>
+                            <m:ctrlPr>
+                              <a:rPr lang="en-US" altLang="zh-TW" i="1">
+                                <a:latin typeface="Cambria Math" panose="02040503050406030204" pitchFamily="18" charset="0"/>
+                                <a:ea typeface="Cambria Math" panose="02040503050406030204" pitchFamily="18" charset="0"/>
+                              </a:rPr>
+                            </m:ctrlPr>
+                          </m:fPr>
+                          <m:num>
+                            <m:r>
+                              <a:rPr lang="en-US" altLang="zh-TW" i="1">
+                                <a:latin typeface="Cambria Math" panose="02040503050406030204" pitchFamily="18" charset="0"/>
+                                <a:ea typeface="Cambria Math" panose="02040503050406030204" pitchFamily="18" charset="0"/>
+                              </a:rPr>
+                              <m:t>4</m:t>
+                            </m:r>
+                          </m:num>
+                          <m:den>
+                            <m:r>
+                              <a:rPr lang="en-US" altLang="zh-TW" i="1">
+                                <a:latin typeface="Cambria Math" panose="02040503050406030204" pitchFamily="18" charset="0"/>
+                                <a:ea typeface="Cambria Math" panose="02040503050406030204" pitchFamily="18" charset="0"/>
+                              </a:rPr>
+                              <m:t>12</m:t>
+                            </m:r>
+                          </m:den>
+                        </m:f>
+                      </m:sup>
+                    </m:sSup>
+                    <m:r>
+                      <a:rPr lang="en-US" altLang="zh-TW" i="1">
+                        <a:latin typeface="Cambria Math" panose="02040503050406030204" pitchFamily="18" charset="0"/>
+                        <a:ea typeface="Cambria Math" panose="02040503050406030204" pitchFamily="18" charset="0"/>
+                      </a:rPr>
+                      <m:t>=302.381052</m:t>
+                    </m:r>
+                    <m:r>
+                      <a:rPr lang="zh-TW" altLang="en-US" i="1">
+                        <a:latin typeface="Cambria Math" panose="02040503050406030204" pitchFamily="18" charset="0"/>
+                        <a:ea typeface="Cambria Math" panose="02040503050406030204" pitchFamily="18" charset="0"/>
+                      </a:rPr>
+                      <m:t> </m:t>
+                    </m:r>
+                    <m:r>
+                      <a:rPr lang="en-US" altLang="zh-TW" i="1">
+                        <a:latin typeface="Cambria Math" panose="02040503050406030204" pitchFamily="18" charset="0"/>
+                        <a:ea typeface="Cambria Math" panose="02040503050406030204" pitchFamily="18" charset="0"/>
+                      </a:rPr>
+                      <m:t>𝐻𝑍</m:t>
+                    </m:r>
+                  </m:oMath>
+                </a14:m>
+                <a:endParaRPr lang="en-US" altLang="zh-TW" dirty="0">
+                  <a:ea typeface="Cambria Math" panose="02040503050406030204" pitchFamily="18" charset="0"/>
+                </a:endParaRPr>
+              </a:p>
+              <a:p>
+                <a:r>
+                  <a:rPr lang="en-US" altLang="zh-TW" dirty="0"/>
+                  <a:t>So</a:t>
+                </a:r>
+                <a:r>
+                  <a:rPr lang="zh-TW" altLang="en-US" dirty="0"/>
+                  <a:t> 和 </a:t>
+                </a:r>
+                <a:r>
+                  <a:rPr lang="en-US" altLang="zh-TW" dirty="0"/>
+                  <a:t>Do</a:t>
+                </a:r>
+                <a:r>
+                  <a:rPr lang="zh-TW" altLang="en-US" dirty="0"/>
+                  <a:t> 差 </a:t>
+                </a:r>
+                <a:r>
+                  <a:rPr lang="en-US" altLang="zh-TW" dirty="0"/>
+                  <a:t>7</a:t>
+                </a:r>
+                <a:r>
+                  <a:rPr lang="zh-TW" altLang="en-US" dirty="0"/>
+                  <a:t> 個半音，</a:t>
+                </a:r>
+                <a14:m>
+                  <m:oMath xmlns:m="http://schemas.openxmlformats.org/officeDocument/2006/math">
+                    <m:r>
+                      <m:rPr>
+                        <m:nor/>
+                      </m:rPr>
+                      <a:rPr lang="en-US" altLang="zh-TW" dirty="0"/>
+                      <m:t>frequenc</m:t>
+                    </m:r>
+                    <m:r>
+                      <m:rPr>
+                        <m:nor/>
+                      </m:rPr>
+                      <a:rPr lang="en-US" altLang="zh-TW" b="0" i="0" dirty="0" smtClean="0"/>
+                      <m:t>y</m:t>
+                    </m:r>
+                    <m:r>
+                      <m:rPr>
+                        <m:nor/>
+                      </m:rPr>
+                      <a:rPr lang="en-US" altLang="zh-TW" dirty="0"/>
+                      <m:t> </m:t>
+                    </m:r>
+                    <m:r>
+                      <m:rPr>
+                        <m:nor/>
+                      </m:rPr>
+                      <a:rPr lang="en-US" altLang="zh-TW" dirty="0"/>
+                      <m:t>of</m:t>
+                    </m:r>
+                    <m:r>
+                      <m:rPr>
+                        <m:nor/>
+                      </m:rPr>
+                      <a:rPr lang="en-US" altLang="zh-TW" dirty="0"/>
+                      <m:t> </m:t>
+                    </m:r>
+                    <m:r>
+                      <m:rPr>
+                        <m:nor/>
+                      </m:rPr>
+                      <a:rPr lang="en-US" altLang="zh-TW" b="0" i="0" dirty="0" smtClean="0"/>
+                      <m:t>So</m:t>
+                    </m:r>
+                    <m:r>
+                      <m:rPr>
+                        <m:nor/>
+                      </m:rPr>
+                      <a:rPr lang="zh-TW" altLang="en-US" dirty="0"/>
+                      <m:t> </m:t>
+                    </m:r>
+                    <m:r>
+                      <m:rPr>
+                        <m:nor/>
+                      </m:rPr>
+                      <a:rPr lang="en-US" altLang="zh-TW" dirty="0"/>
+                      <m:t>:</m:t>
+                    </m:r>
+                    <m:r>
+                      <m:rPr>
+                        <m:nor/>
+                      </m:rPr>
+                      <a:rPr lang="zh-TW" altLang="en-US" dirty="0"/>
+                      <m:t> </m:t>
+                    </m:r>
+                    <m:r>
+                      <m:rPr>
+                        <m:nor/>
+                      </m:rPr>
+                      <a:rPr lang="en-US" altLang="zh-TW" dirty="0"/>
+                      <m:t>240</m:t>
+                    </m:r>
+                    <m:r>
+                      <a:rPr lang="en-US" altLang="zh-TW" i="1">
+                        <a:latin typeface="Cambria Math" panose="02040503050406030204" pitchFamily="18" charset="0"/>
+                        <a:ea typeface="Cambria Math" panose="02040503050406030204" pitchFamily="18" charset="0"/>
+                      </a:rPr>
+                      <m:t>∙</m:t>
+                    </m:r>
+                    <m:sSup>
+                      <m:sSupPr>
+                        <m:ctrlPr>
+                          <a:rPr lang="en-US" altLang="zh-TW" i="1">
+                            <a:latin typeface="Cambria Math" panose="02040503050406030204" pitchFamily="18" charset="0"/>
+                            <a:ea typeface="Cambria Math" panose="02040503050406030204" pitchFamily="18" charset="0"/>
+                          </a:rPr>
+                        </m:ctrlPr>
+                      </m:sSupPr>
+                      <m:e>
+                        <m:r>
+                          <a:rPr lang="en-US" altLang="zh-TW" i="1">
+                            <a:latin typeface="Cambria Math" panose="02040503050406030204" pitchFamily="18" charset="0"/>
+                            <a:ea typeface="Cambria Math" panose="02040503050406030204" pitchFamily="18" charset="0"/>
+                          </a:rPr>
+                          <m:t>2</m:t>
+                        </m:r>
+                      </m:e>
+                      <m:sup>
+                        <m:f>
+                          <m:fPr>
+                            <m:ctrlPr>
+                              <a:rPr lang="en-US" altLang="zh-TW" i="1">
+                                <a:latin typeface="Cambria Math" panose="02040503050406030204" pitchFamily="18" charset="0"/>
+                                <a:ea typeface="Cambria Math" panose="02040503050406030204" pitchFamily="18" charset="0"/>
+                              </a:rPr>
+                            </m:ctrlPr>
+                          </m:fPr>
+                          <m:num>
+                            <m:r>
+                              <a:rPr lang="en-US" altLang="zh-TW" i="1">
+                                <a:latin typeface="Cambria Math" panose="02040503050406030204" pitchFamily="18" charset="0"/>
+                                <a:ea typeface="Cambria Math" panose="02040503050406030204" pitchFamily="18" charset="0"/>
+                              </a:rPr>
+                              <m:t>7</m:t>
+                            </m:r>
+                          </m:num>
+                          <m:den>
+                            <m:r>
+                              <a:rPr lang="en-US" altLang="zh-TW" i="1">
+                                <a:latin typeface="Cambria Math" panose="02040503050406030204" pitchFamily="18" charset="0"/>
+                                <a:ea typeface="Cambria Math" panose="02040503050406030204" pitchFamily="18" charset="0"/>
+                              </a:rPr>
+                              <m:t>12</m:t>
+                            </m:r>
+                          </m:den>
+                        </m:f>
+                      </m:sup>
+                    </m:sSup>
+                    <m:r>
+                      <a:rPr lang="en-US" altLang="zh-TW" i="1">
+                        <a:latin typeface="Cambria Math" panose="02040503050406030204" pitchFamily="18" charset="0"/>
+                        <a:ea typeface="Cambria Math" panose="02040503050406030204" pitchFamily="18" charset="0"/>
+                      </a:rPr>
+                      <m:t>=359.593698</m:t>
+                    </m:r>
+                    <m:r>
+                      <a:rPr lang="zh-TW" altLang="en-US" i="1">
+                        <a:latin typeface="Cambria Math" panose="02040503050406030204" pitchFamily="18" charset="0"/>
+                        <a:ea typeface="Cambria Math" panose="02040503050406030204" pitchFamily="18" charset="0"/>
+                      </a:rPr>
+                      <m:t> </m:t>
+                    </m:r>
+                    <m:r>
+                      <a:rPr lang="en-US" altLang="zh-TW" i="1">
+                        <a:latin typeface="Cambria Math" panose="02040503050406030204" pitchFamily="18" charset="0"/>
+                        <a:ea typeface="Cambria Math" panose="02040503050406030204" pitchFamily="18" charset="0"/>
+                      </a:rPr>
+                      <m:t>𝐻𝑍</m:t>
+                    </m:r>
+                  </m:oMath>
+                </a14:m>
+                <a:endParaRPr lang="en-US" altLang="zh-TW" dirty="0">
+                  <a:ea typeface="Cambria Math" panose="02040503050406030204" pitchFamily="18" charset="0"/>
+                </a:endParaRPr>
+              </a:p>
+              <a:p>
+                <a:endParaRPr kumimoji="1" lang="en-US" altLang="zh-TW" dirty="0"/>
+              </a:p>
+              <a:p>
+                <a:pPr marL="457200" indent="-457200">
+                  <a:buFont typeface="Wingdings" pitchFamily="2" charset="2"/>
+                  <a:buAutoNum type="alphaLcParenBoth" startAt="2"/>
+                </a:pPr>
+                <a14:m>
+                  <m:oMath xmlns:m="http://schemas.openxmlformats.org/officeDocument/2006/math">
+                    <m:r>
+                      <a:rPr kumimoji="1" lang="en-US" altLang="zh-TW" b="0" i="1" smtClean="0">
+                        <a:latin typeface="Cambria Math" panose="02040503050406030204" pitchFamily="18" charset="0"/>
+                      </a:rPr>
+                      <m:t>𝑓</m:t>
+                    </m:r>
+                    <m:r>
+                      <a:rPr kumimoji="1" lang="en-US" altLang="zh-TW" b="0" i="1" smtClean="0">
+                        <a:latin typeface="Cambria Math" panose="02040503050406030204" pitchFamily="18" charset="0"/>
+                      </a:rPr>
+                      <m:t>=</m:t>
+                    </m:r>
+                    <m:f>
+                      <m:fPr>
+                        <m:ctrlPr>
+                          <a:rPr kumimoji="1" lang="en-US" altLang="zh-TW" b="0" i="1" smtClean="0">
+                            <a:latin typeface="Cambria Math" panose="02040503050406030204" pitchFamily="18" charset="0"/>
+                          </a:rPr>
+                        </m:ctrlPr>
+                      </m:fPr>
+                      <m:num>
+                        <m:r>
+                          <a:rPr kumimoji="1" lang="en-US" altLang="zh-TW" b="0" i="1" smtClean="0">
+                            <a:latin typeface="Cambria Math" panose="02040503050406030204" pitchFamily="18" charset="0"/>
+                          </a:rPr>
+                          <m:t>340</m:t>
+                        </m:r>
+                      </m:num>
+                      <m:den>
+                        <m:r>
+                          <a:rPr kumimoji="1" lang="en-US" altLang="zh-TW" b="0" i="1" smtClean="0">
+                            <a:latin typeface="Cambria Math" panose="02040503050406030204" pitchFamily="18" charset="0"/>
+                            <a:ea typeface="Cambria Math" panose="02040503050406030204" pitchFamily="18" charset="0"/>
+                          </a:rPr>
+                          <m:t>𝜆</m:t>
+                        </m:r>
+                      </m:den>
+                    </m:f>
+                    <m:r>
+                      <a:rPr kumimoji="1" lang="en-US" altLang="zh-TW" b="0" i="1" smtClean="0">
+                        <a:latin typeface="Cambria Math" panose="02040503050406030204" pitchFamily="18" charset="0"/>
+                      </a:rPr>
+                      <m:t>,</m:t>
+                    </m:r>
+                    <m:r>
+                      <a:rPr kumimoji="1" lang="zh-TW" altLang="en-US" b="0" i="1" smtClean="0">
+                        <a:latin typeface="Cambria Math" panose="02040503050406030204" pitchFamily="18" charset="0"/>
+                      </a:rPr>
+                      <m:t>  </m:t>
+                    </m:r>
+                    <m:r>
+                      <a:rPr kumimoji="1" lang="zh-TW" altLang="en-US" b="0" i="1" smtClean="0">
+                        <a:latin typeface="Cambria Math" panose="02040503050406030204" pitchFamily="18" charset="0"/>
+                      </a:rPr>
+                      <m:t>𝜆</m:t>
+                    </m:r>
+                    <m:r>
+                      <a:rPr kumimoji="1" lang="en-US" altLang="zh-TW" b="0" i="1" smtClean="0">
+                        <a:latin typeface="Cambria Math" panose="02040503050406030204" pitchFamily="18" charset="0"/>
+                      </a:rPr>
+                      <m:t>=2</m:t>
+                    </m:r>
+                    <m:r>
+                      <a:rPr kumimoji="1" lang="en-US" altLang="zh-TW" b="0" i="1" smtClean="0">
+                        <a:latin typeface="Cambria Math" panose="02040503050406030204" pitchFamily="18" charset="0"/>
+                      </a:rPr>
+                      <m:t>𝐿</m:t>
+                    </m:r>
+                    <m:r>
+                      <a:rPr kumimoji="1" lang="en-US" altLang="zh-TW" b="0" i="1" smtClean="0">
+                        <a:latin typeface="Cambria Math" panose="02040503050406030204" pitchFamily="18" charset="0"/>
+                      </a:rPr>
+                      <m:t>⇒</m:t>
+                    </m:r>
+                    <m:r>
+                      <a:rPr lang="en-US" altLang="zh-TW" i="1">
+                        <a:latin typeface="Cambria Math" panose="02040503050406030204" pitchFamily="18" charset="0"/>
+                      </a:rPr>
+                      <m:t>𝑓</m:t>
+                    </m:r>
+                    <m:r>
+                      <a:rPr lang="en-US" altLang="zh-TW" i="1">
+                        <a:latin typeface="Cambria Math" panose="02040503050406030204" pitchFamily="18" charset="0"/>
+                      </a:rPr>
+                      <m:t>=</m:t>
+                    </m:r>
+                    <m:f>
+                      <m:fPr>
+                        <m:ctrlPr>
+                          <a:rPr lang="en-US" altLang="zh-TW" i="1">
+                            <a:latin typeface="Cambria Math" panose="02040503050406030204" pitchFamily="18" charset="0"/>
+                          </a:rPr>
+                        </m:ctrlPr>
+                      </m:fPr>
+                      <m:num>
+                        <m:r>
+                          <a:rPr lang="en-US" altLang="zh-TW" i="1">
+                            <a:latin typeface="Cambria Math" panose="02040503050406030204" pitchFamily="18" charset="0"/>
+                          </a:rPr>
+                          <m:t>340</m:t>
+                        </m:r>
+                      </m:num>
+                      <m:den>
+                        <m:r>
+                          <a:rPr lang="en-US" altLang="zh-TW" b="0" i="1" smtClean="0">
+                            <a:latin typeface="Cambria Math" panose="02040503050406030204" pitchFamily="18" charset="0"/>
+                          </a:rPr>
+                          <m:t>2</m:t>
+                        </m:r>
+                        <m:r>
+                          <a:rPr lang="en-US" altLang="zh-TW" b="0" i="1" smtClean="0">
+                            <a:latin typeface="Cambria Math" panose="02040503050406030204" pitchFamily="18" charset="0"/>
+                          </a:rPr>
+                          <m:t>𝐿</m:t>
+                        </m:r>
+                      </m:den>
+                    </m:f>
+                    <m:r>
+                      <a:rPr lang="en-US" altLang="zh-TW" b="0" i="1" smtClean="0">
+                        <a:latin typeface="Cambria Math" panose="02040503050406030204" pitchFamily="18" charset="0"/>
+                        <a:ea typeface="Cambria Math" panose="02040503050406030204" pitchFamily="18" charset="0"/>
+                      </a:rPr>
+                      <m:t>⇒</m:t>
+                    </m:r>
+                    <m:r>
+                      <a:rPr lang="en-US" altLang="zh-TW" b="0" i="1" smtClean="0">
+                        <a:latin typeface="Cambria Math" panose="02040503050406030204" pitchFamily="18" charset="0"/>
+                        <a:ea typeface="Cambria Math" panose="02040503050406030204" pitchFamily="18" charset="0"/>
+                      </a:rPr>
+                      <m:t>𝐿</m:t>
+                    </m:r>
+                    <m:r>
+                      <a:rPr lang="en-US" altLang="zh-TW" b="0" i="1" smtClean="0">
+                        <a:latin typeface="Cambria Math" panose="02040503050406030204" pitchFamily="18" charset="0"/>
+                        <a:ea typeface="Cambria Math" panose="02040503050406030204" pitchFamily="18" charset="0"/>
+                      </a:rPr>
+                      <m:t>=</m:t>
+                    </m:r>
+                    <m:f>
+                      <m:fPr>
+                        <m:ctrlPr>
+                          <a:rPr lang="en-US" altLang="zh-TW" i="1">
+                            <a:latin typeface="Cambria Math" panose="02040503050406030204" pitchFamily="18" charset="0"/>
+                          </a:rPr>
+                        </m:ctrlPr>
+                      </m:fPr>
+                      <m:num>
+                        <m:r>
+                          <a:rPr lang="en-US" altLang="zh-TW" i="1">
+                            <a:latin typeface="Cambria Math" panose="02040503050406030204" pitchFamily="18" charset="0"/>
+                          </a:rPr>
+                          <m:t>340</m:t>
+                        </m:r>
+                      </m:num>
+                      <m:den>
+                        <m:r>
+                          <a:rPr lang="en-US" altLang="zh-TW" b="0" i="1" smtClean="0">
+                            <a:latin typeface="Cambria Math" panose="02040503050406030204" pitchFamily="18" charset="0"/>
+                          </a:rPr>
+                          <m:t>2</m:t>
+                        </m:r>
+                        <m:r>
+                          <a:rPr lang="en-US" altLang="zh-TW" b="0" i="1" smtClean="0">
+                            <a:latin typeface="Cambria Math" panose="02040503050406030204" pitchFamily="18" charset="0"/>
+                          </a:rPr>
+                          <m:t>𝑓</m:t>
+                        </m:r>
+                      </m:den>
+                    </m:f>
+                  </m:oMath>
+                </a14:m>
+                <a:endParaRPr kumimoji="1" lang="en-US" altLang="zh-TW" dirty="0"/>
+              </a:p>
+              <a:p>
+                <a14:m>
+                  <m:oMathPara xmlns:m="http://schemas.openxmlformats.org/officeDocument/2006/math">
+                    <m:oMathParaPr>
+                      <m:jc m:val="centerGroup"/>
+                    </m:oMathParaPr>
+                    <m:oMath xmlns:m="http://schemas.openxmlformats.org/officeDocument/2006/math">
+                      <m:r>
+                        <a:rPr lang="en-US" altLang="zh-TW" b="0" i="1" smtClean="0">
+                          <a:latin typeface="Cambria Math" panose="02040503050406030204" pitchFamily="18" charset="0"/>
+                        </a:rPr>
+                        <m:t>𝐿</m:t>
+                      </m:r>
+                      <m:r>
+                        <a:rPr lang="zh-TW" altLang="en-US" b="0" i="1" smtClean="0">
+                          <a:latin typeface="Cambria Math" panose="02040503050406030204" pitchFamily="18" charset="0"/>
+                        </a:rPr>
+                        <m:t> </m:t>
+                      </m:r>
+                      <m:r>
+                        <a:rPr lang="en-US" altLang="zh-TW" i="1">
+                          <a:latin typeface="Cambria Math" panose="02040503050406030204" pitchFamily="18" charset="0"/>
+                        </a:rPr>
+                        <m:t>𝑡𝑜</m:t>
+                      </m:r>
+                      <m:r>
+                        <a:rPr lang="zh-TW" altLang="en-US" b="0" i="1" smtClean="0">
+                          <a:latin typeface="Cambria Math" panose="02040503050406030204" pitchFamily="18" charset="0"/>
+                        </a:rPr>
+                        <m:t> </m:t>
+                      </m:r>
+                      <m:r>
+                        <a:rPr lang="en-US" altLang="zh-TW" i="1">
+                          <a:latin typeface="Cambria Math" panose="02040503050406030204" pitchFamily="18" charset="0"/>
+                        </a:rPr>
+                        <m:t>𝑔𝑒𝑛𝑒𝑟𝑎𝑡𝑒</m:t>
+                      </m:r>
+                      <m:r>
+                        <a:rPr lang="en-US" altLang="zh-TW" i="1">
+                          <a:latin typeface="Cambria Math" panose="02040503050406030204" pitchFamily="18" charset="0"/>
+                        </a:rPr>
+                        <m:t> </m:t>
+                      </m:r>
+                      <m:r>
+                        <a:rPr lang="en-US" altLang="zh-TW" i="1">
+                          <a:latin typeface="Cambria Math" panose="02040503050406030204" pitchFamily="18" charset="0"/>
+                        </a:rPr>
+                        <m:t>𝑀𝑖</m:t>
+                      </m:r>
+                      <m:r>
+                        <a:rPr lang="zh-TW" altLang="en-US" b="0" i="1" smtClean="0">
+                          <a:latin typeface="Cambria Math" panose="02040503050406030204" pitchFamily="18" charset="0"/>
+                        </a:rPr>
+                        <m:t> </m:t>
+                      </m:r>
+                      <m:r>
+                        <a:rPr lang="en-US" altLang="zh-TW" b="0" i="1" smtClean="0">
+                          <a:latin typeface="Cambria Math" panose="02040503050406030204" pitchFamily="18" charset="0"/>
+                        </a:rPr>
+                        <m:t>:</m:t>
+                      </m:r>
+                      <m:r>
+                        <a:rPr lang="zh-TW" altLang="en-US" b="0" i="1" smtClean="0">
+                          <a:latin typeface="Cambria Math" panose="02040503050406030204" pitchFamily="18" charset="0"/>
+                        </a:rPr>
+                        <m:t> </m:t>
+                      </m:r>
+                      <m:f>
+                        <m:fPr>
+                          <m:ctrlPr>
+                            <a:rPr lang="en-US" altLang="zh-TW" b="0" i="1" smtClean="0">
+                              <a:latin typeface="Cambria Math" panose="02040503050406030204" pitchFamily="18" charset="0"/>
+                            </a:rPr>
+                          </m:ctrlPr>
+                        </m:fPr>
+                        <m:num>
+                          <m:r>
+                            <a:rPr lang="en-US" altLang="zh-TW" i="1">
+                              <a:latin typeface="Cambria Math" panose="02040503050406030204" pitchFamily="18" charset="0"/>
+                            </a:rPr>
+                            <m:t>340</m:t>
+                          </m:r>
+                        </m:num>
+                        <m:den>
+                          <m:r>
+                            <a:rPr lang="en-US" altLang="zh-TW" b="0" i="1" smtClean="0">
+                              <a:latin typeface="Cambria Math" panose="02040503050406030204" pitchFamily="18" charset="0"/>
+                            </a:rPr>
+                            <m:t>2</m:t>
+                          </m:r>
+                          <m:r>
+                            <a:rPr lang="en-US" altLang="zh-TW" b="0" i="1" smtClean="0">
+                              <a:latin typeface="Cambria Math" panose="02040503050406030204" pitchFamily="18" charset="0"/>
+                              <a:ea typeface="Cambria Math" panose="02040503050406030204" pitchFamily="18" charset="0"/>
+                            </a:rPr>
+                            <m:t>∙</m:t>
+                          </m:r>
+                          <m:r>
+                            <a:rPr lang="en-US" altLang="zh-TW" i="1">
+                              <a:latin typeface="Cambria Math" panose="02040503050406030204" pitchFamily="18" charset="0"/>
+                              <a:ea typeface="Cambria Math" panose="02040503050406030204" pitchFamily="18" charset="0"/>
+                            </a:rPr>
+                            <m:t>302.381052</m:t>
+                          </m:r>
+                        </m:den>
+                      </m:f>
+                      <m:r>
+                        <a:rPr lang="en-US" altLang="zh-TW" i="1">
+                          <a:latin typeface="Cambria Math" panose="02040503050406030204" pitchFamily="18" charset="0"/>
+                        </a:rPr>
+                        <m:t>⇒</m:t>
+                      </m:r>
+                      <m:f>
+                        <m:fPr>
+                          <m:ctrlPr>
+                            <a:rPr lang="en-US" altLang="zh-TW" i="1" smtClean="0">
+                              <a:latin typeface="Cambria Math" panose="02040503050406030204" pitchFamily="18" charset="0"/>
+                            </a:rPr>
+                          </m:ctrlPr>
+                        </m:fPr>
+                        <m:num>
+                          <m:r>
+                            <a:rPr lang="en-US" altLang="zh-TW" i="1">
+                              <a:latin typeface="Cambria Math" panose="02040503050406030204" pitchFamily="18" charset="0"/>
+                            </a:rPr>
+                            <m:t>0.5622045392</m:t>
+                          </m:r>
+                        </m:num>
+                        <m:den>
+                          <m:r>
+                            <a:rPr lang="en-US" altLang="zh-TW" b="0" i="1" smtClean="0">
+                              <a:latin typeface="Cambria Math" panose="02040503050406030204" pitchFamily="18" charset="0"/>
+                            </a:rPr>
+                            <m:t>𝑛</m:t>
+                          </m:r>
+                        </m:den>
+                      </m:f>
+                      <m:r>
+                        <a:rPr lang="zh-TW" altLang="en-US" b="0" i="1" smtClean="0">
+                          <a:latin typeface="Cambria Math" panose="02040503050406030204" pitchFamily="18" charset="0"/>
+                        </a:rPr>
+                        <m:t> </m:t>
+                      </m:r>
+                      <m:r>
+                        <a:rPr lang="en-US" altLang="zh-TW" b="0" i="1" smtClean="0">
+                          <a:latin typeface="Cambria Math" panose="02040503050406030204" pitchFamily="18" charset="0"/>
+                        </a:rPr>
+                        <m:t>𝑚</m:t>
+                      </m:r>
+                    </m:oMath>
+                  </m:oMathPara>
+                </a14:m>
+                <a:endParaRPr kumimoji="1" lang="en-US" altLang="zh-TW" dirty="0"/>
+              </a:p>
+              <a:p>
+                <a:pPr/>
+                <a14:m>
+                  <m:oMathPara xmlns:m="http://schemas.openxmlformats.org/officeDocument/2006/math">
+                    <m:oMathParaPr>
+                      <m:jc m:val="center"/>
+                    </m:oMathParaPr>
+                    <m:oMath xmlns:m="http://schemas.openxmlformats.org/officeDocument/2006/math">
+                      <m:r>
+                        <a:rPr lang="en-US" altLang="zh-TW" b="0" i="1" smtClean="0">
+                          <a:latin typeface="Cambria Math" panose="02040503050406030204" pitchFamily="18" charset="0"/>
+                        </a:rPr>
+                        <m:t>𝐿</m:t>
+                      </m:r>
+                      <m:r>
+                        <a:rPr lang="zh-TW" altLang="en-US" b="0" i="1" smtClean="0">
+                          <a:latin typeface="Cambria Math" panose="02040503050406030204" pitchFamily="18" charset="0"/>
+                        </a:rPr>
+                        <m:t> </m:t>
+                      </m:r>
+                      <m:r>
+                        <a:rPr lang="en-US" altLang="zh-TW" i="1">
+                          <a:latin typeface="Cambria Math" panose="02040503050406030204" pitchFamily="18" charset="0"/>
+                        </a:rPr>
+                        <m:t>𝑡𝑜</m:t>
+                      </m:r>
+                      <m:r>
+                        <a:rPr lang="zh-TW" altLang="en-US" b="0" i="1" smtClean="0">
+                          <a:latin typeface="Cambria Math" panose="02040503050406030204" pitchFamily="18" charset="0"/>
+                        </a:rPr>
+                        <m:t> </m:t>
+                      </m:r>
+                      <m:r>
+                        <a:rPr lang="en-US" altLang="zh-TW" i="1">
+                          <a:latin typeface="Cambria Math" panose="02040503050406030204" pitchFamily="18" charset="0"/>
+                        </a:rPr>
+                        <m:t>𝑔𝑒𝑛𝑒𝑟𝑎𝑡𝑒</m:t>
+                      </m:r>
+                      <m:r>
+                        <a:rPr lang="en-US" altLang="zh-TW" i="1">
+                          <a:latin typeface="Cambria Math" panose="02040503050406030204" pitchFamily="18" charset="0"/>
+                        </a:rPr>
+                        <m:t> </m:t>
+                      </m:r>
+                      <m:r>
+                        <m:rPr>
+                          <m:nor/>
+                        </m:rPr>
+                        <a:rPr lang="en-US" altLang="zh-TW" dirty="0"/>
+                        <m:t>So</m:t>
+                      </m:r>
+                      <m:r>
+                        <m:rPr>
+                          <m:nor/>
+                        </m:rPr>
+                        <a:rPr lang="zh-TW" altLang="en-US" b="0" i="0" dirty="0" smtClean="0"/>
+                        <m:t> </m:t>
+                      </m:r>
+                      <m:r>
+                        <a:rPr lang="en-US" altLang="zh-TW" b="0" i="1" smtClean="0">
+                          <a:latin typeface="Cambria Math" panose="02040503050406030204" pitchFamily="18" charset="0"/>
+                        </a:rPr>
+                        <m:t>:</m:t>
+                      </m:r>
+                      <m:r>
+                        <a:rPr lang="zh-TW" altLang="en-US" b="0" i="1" smtClean="0">
+                          <a:latin typeface="Cambria Math" panose="02040503050406030204" pitchFamily="18" charset="0"/>
+                        </a:rPr>
+                        <m:t> </m:t>
+                      </m:r>
+                      <m:f>
+                        <m:fPr>
+                          <m:ctrlPr>
+                            <a:rPr lang="en-US" altLang="zh-TW" b="0" i="1" smtClean="0">
+                              <a:latin typeface="Cambria Math" panose="02040503050406030204" pitchFamily="18" charset="0"/>
+                            </a:rPr>
+                          </m:ctrlPr>
+                        </m:fPr>
+                        <m:num>
+                          <m:r>
+                            <a:rPr lang="en-US" altLang="zh-TW" i="1">
+                              <a:latin typeface="Cambria Math" panose="02040503050406030204" pitchFamily="18" charset="0"/>
+                            </a:rPr>
+                            <m:t>340</m:t>
+                          </m:r>
+                        </m:num>
+                        <m:den>
+                          <m:r>
+                            <a:rPr lang="en-US" altLang="zh-TW" b="0" i="1" smtClean="0">
+                              <a:latin typeface="Cambria Math" panose="02040503050406030204" pitchFamily="18" charset="0"/>
+                            </a:rPr>
+                            <m:t>2</m:t>
+                          </m:r>
+                          <m:r>
+                            <a:rPr lang="en-US" altLang="zh-TW" b="0" i="1" smtClean="0">
+                              <a:latin typeface="Cambria Math" panose="02040503050406030204" pitchFamily="18" charset="0"/>
+                              <a:ea typeface="Cambria Math" panose="02040503050406030204" pitchFamily="18" charset="0"/>
+                            </a:rPr>
+                            <m:t>∙</m:t>
+                          </m:r>
+                          <m:r>
+                            <a:rPr lang="en-US" altLang="zh-TW" i="1">
+                              <a:latin typeface="Cambria Math" panose="02040503050406030204" pitchFamily="18" charset="0"/>
+                              <a:ea typeface="Cambria Math" panose="02040503050406030204" pitchFamily="18" charset="0"/>
+                            </a:rPr>
+                            <m:t>359.593698</m:t>
+                          </m:r>
+                        </m:den>
+                      </m:f>
+                      <m:r>
+                        <a:rPr lang="en-US" altLang="zh-TW" b="0" i="1" smtClean="0">
+                          <a:latin typeface="Cambria Math" panose="02040503050406030204" pitchFamily="18" charset="0"/>
+                        </a:rPr>
+                        <m:t>⇒</m:t>
+                      </m:r>
+                      <m:f>
+                        <m:fPr>
+                          <m:ctrlPr>
+                            <a:rPr lang="en-US" altLang="zh-TW" i="1" smtClean="0">
+                              <a:latin typeface="Cambria Math" panose="02040503050406030204" pitchFamily="18" charset="0"/>
+                            </a:rPr>
+                          </m:ctrlPr>
+                        </m:fPr>
+                        <m:num>
+                          <m:r>
+                            <a:rPr lang="en-US" altLang="zh-TW" i="1">
+                              <a:latin typeface="Cambria Math" panose="02040503050406030204" pitchFamily="18" charset="0"/>
+                            </a:rPr>
+                            <m:t>0.4727557823</m:t>
+                          </m:r>
+                        </m:num>
+                        <m:den>
+                          <m:r>
+                            <a:rPr lang="en-US" altLang="zh-TW" b="0" i="1" smtClean="0">
+                              <a:latin typeface="Cambria Math" panose="02040503050406030204" pitchFamily="18" charset="0"/>
+                            </a:rPr>
+                            <m:t>𝑛</m:t>
+                          </m:r>
+                        </m:den>
+                      </m:f>
+                      <m:r>
+                        <a:rPr lang="zh-TW" altLang="en-US" b="0" i="1" smtClean="0">
+                          <a:latin typeface="Cambria Math" panose="02040503050406030204" pitchFamily="18" charset="0"/>
+                        </a:rPr>
+                        <m:t> </m:t>
+                      </m:r>
+                      <m:r>
+                        <a:rPr lang="en-US" altLang="zh-TW" b="0" i="1" smtClean="0">
+                          <a:latin typeface="Cambria Math" panose="02040503050406030204" pitchFamily="18" charset="0"/>
+                        </a:rPr>
+                        <m:t>𝑚</m:t>
+                      </m:r>
+                    </m:oMath>
+                  </m:oMathPara>
+                </a14:m>
+                <a:endParaRPr kumimoji="1" lang="en-US" altLang="zh-TW" dirty="0"/>
+              </a:p>
+              <a:p>
+                <a14:m>
+                  <m:oMathPara xmlns:m="http://schemas.openxmlformats.org/officeDocument/2006/math">
+                    <m:oMathParaPr>
+                      <m:jc m:val="centerGroup"/>
+                    </m:oMathParaPr>
+                    <m:oMath xmlns:m="http://schemas.openxmlformats.org/officeDocument/2006/math">
+                      <m:r>
+                        <a:rPr kumimoji="1" lang="en-US" altLang="zh-TW" b="0" i="1" smtClean="0">
+                          <a:latin typeface="Cambria Math" panose="02040503050406030204" pitchFamily="18" charset="0"/>
+                        </a:rPr>
+                        <m:t>𝑓𝑜𝑟</m:t>
+                      </m:r>
+                      <m:r>
+                        <a:rPr kumimoji="1" lang="zh-TW" altLang="en-US" b="0" i="1" smtClean="0">
+                          <a:latin typeface="Cambria Math" panose="02040503050406030204" pitchFamily="18" charset="0"/>
+                        </a:rPr>
+                        <m:t> </m:t>
+                      </m:r>
+                      <m:r>
+                        <a:rPr kumimoji="1" lang="en-US" altLang="zh-TW" b="0" i="1" smtClean="0">
+                          <a:latin typeface="Cambria Math" panose="02040503050406030204" pitchFamily="18" charset="0"/>
+                        </a:rPr>
+                        <m:t>𝑛</m:t>
+                      </m:r>
+                      <m:r>
+                        <a:rPr kumimoji="1" lang="en-US" altLang="zh-TW" b="0" i="1" smtClean="0">
+                          <a:latin typeface="Cambria Math" panose="02040503050406030204" pitchFamily="18" charset="0"/>
+                        </a:rPr>
+                        <m:t>=1,</m:t>
+                      </m:r>
+                      <m:r>
+                        <a:rPr kumimoji="1" lang="zh-TW" altLang="en-US" b="0" i="1" smtClean="0">
+                          <a:latin typeface="Cambria Math" panose="02040503050406030204" pitchFamily="18" charset="0"/>
+                        </a:rPr>
+                        <m:t> </m:t>
+                      </m:r>
+                      <m:r>
+                        <a:rPr kumimoji="1" lang="en-US" altLang="zh-TW" b="0" i="1" smtClean="0">
+                          <a:latin typeface="Cambria Math" panose="02040503050406030204" pitchFamily="18" charset="0"/>
+                        </a:rPr>
+                        <m:t>2,</m:t>
+                      </m:r>
+                      <m:r>
+                        <a:rPr kumimoji="1" lang="zh-TW" altLang="en-US" b="0" i="1" smtClean="0">
+                          <a:latin typeface="Cambria Math" panose="02040503050406030204" pitchFamily="18" charset="0"/>
+                        </a:rPr>
+                        <m:t> </m:t>
+                      </m:r>
+                      <m:r>
+                        <a:rPr kumimoji="1" lang="en-US" altLang="zh-TW" b="0" i="1" smtClean="0">
+                          <a:latin typeface="Cambria Math" panose="02040503050406030204" pitchFamily="18" charset="0"/>
+                        </a:rPr>
+                        <m:t>3,</m:t>
+                      </m:r>
+                      <m:r>
+                        <a:rPr kumimoji="1" lang="zh-TW" altLang="en-US" b="0" i="1" smtClean="0">
+                          <a:latin typeface="Cambria Math" panose="02040503050406030204" pitchFamily="18" charset="0"/>
+                        </a:rPr>
+                        <m:t> </m:t>
+                      </m:r>
+                      <m:r>
+                        <a:rPr kumimoji="1" lang="en-US" altLang="zh-TW" b="0" i="1" smtClean="0">
+                          <a:latin typeface="Cambria Math" panose="02040503050406030204" pitchFamily="18" charset="0"/>
+                        </a:rPr>
+                        <m:t>…</m:t>
+                      </m:r>
+                    </m:oMath>
+                  </m:oMathPara>
+                </a14:m>
+                <a:endParaRPr kumimoji="1" lang="en-US" altLang="zh-TW" dirty="0"/>
+              </a:p>
+            </p:txBody>
+          </p:sp>
+        </mc:Choice>
+        <mc:Fallback>
+          <p:sp>
+            <p:nvSpPr>
+              <p:cNvPr id="2" name="文字方塊 1">
+                <a:extLst>
+                  <a:ext uri="{FF2B5EF4-FFF2-40B4-BE49-F238E27FC236}">
+                    <a16:creationId xmlns:a16="http://schemas.microsoft.com/office/drawing/2014/main" id="{BD6B84E0-74A9-0DBD-964F-EADD5FA6DC0A}"/>
+                  </a:ext>
+                </a:extLst>
+              </p:cNvPr>
+              <p:cNvSpPr txBox="1">
+                <a:spLocks noRot="1" noChangeAspect="1" noMove="1" noResize="1" noEditPoints="1" noAdjustHandles="1" noChangeArrowheads="1" noChangeShapeType="1" noTextEdit="1"/>
+              </p:cNvSpPr>
+              <p:nvPr/>
+            </p:nvSpPr>
+            <p:spPr>
+              <a:xfrm>
+                <a:off x="281338" y="1988840"/>
+                <a:ext cx="8496944" cy="3990067"/>
+              </a:xfrm>
+              <a:prstGeom prst="rect">
+                <a:avLst/>
+              </a:prstGeom>
+              <a:blipFill>
+                <a:blip r:embed="rId2"/>
+                <a:stretch>
+                  <a:fillRect l="-746" t="-952"/>
+                </a:stretch>
+              </a:blipFill>
+            </p:spPr>
+            <p:txBody>
+              <a:bodyPr/>
+              <a:lstStyle/>
+              <a:p>
+                <a:r>
+                  <a:rPr lang="zh-TW" altLang="en-US">
+                    <a:noFill/>
+                  </a:rPr>
+                  <a:t> </a:t>
+                </a:r>
+              </a:p>
+            </p:txBody>
+          </p:sp>
+        </mc:Fallback>
+      </mc:AlternateContent>
     </p:spTree>
     <p:extLst>
       <p:ext uri="{BB962C8B-B14F-4D97-AF65-F5344CB8AC3E}">
@@ -6672,6 +7915,256 @@
           </a:p>
         </p:txBody>
       </p:sp>
+      <mc:AlternateContent xmlns:mc="http://schemas.openxmlformats.org/markup-compatibility/2006">
+        <mc:Choice xmlns:a14="http://schemas.microsoft.com/office/drawing/2010/main" Requires="a14">
+          <p:sp>
+            <p:nvSpPr>
+              <p:cNvPr id="2" name="文字方塊 1">
+                <a:extLst>
+                  <a:ext uri="{FF2B5EF4-FFF2-40B4-BE49-F238E27FC236}">
+                    <a16:creationId xmlns:a16="http://schemas.microsoft.com/office/drawing/2014/main" id="{F1D7CB21-A528-7D21-67B0-96CAAF2F3DA5}"/>
+                  </a:ext>
+                </a:extLst>
+              </p:cNvPr>
+              <p:cNvSpPr txBox="1"/>
+              <p:nvPr/>
+            </p:nvSpPr>
+            <p:spPr>
+              <a:xfrm>
+                <a:off x="287524" y="1700808"/>
+                <a:ext cx="8568952" cy="1323439"/>
+              </a:xfrm>
+              <a:prstGeom prst="rect">
+                <a:avLst/>
+              </a:prstGeom>
+              <a:noFill/>
+            </p:spPr>
+            <p:txBody>
+              <a:bodyPr wrap="square" rtlCol="0">
+                <a:spAutoFit/>
+              </a:bodyPr>
+              <a:lstStyle/>
+              <a:p>
+                <a:pPr marL="457200" indent="-457200">
+                  <a:buAutoNum type="arabicPeriod"/>
+                </a:pPr>
+                <a:r>
+                  <a:rPr lang="zh-TW" altLang="en-US" dirty="0"/>
+                  <a:t>能量只集中在某些特定區域，例如：</a:t>
+                </a:r>
+                <a14:m>
+                  <m:oMath xmlns:m="http://schemas.openxmlformats.org/officeDocument/2006/math">
+                    <m:sSub>
+                      <m:sSubPr>
+                        <m:ctrlPr>
+                          <a:rPr lang="en-US" altLang="zh-TW" i="1" smtClean="0">
+                            <a:latin typeface="Cambria Math" panose="02040503050406030204" pitchFamily="18" charset="0"/>
+                          </a:rPr>
+                        </m:ctrlPr>
+                      </m:sSubPr>
+                      <m:e>
+                        <m:r>
+                          <a:rPr lang="en-US" altLang="zh-TW" b="0" i="1" smtClean="0">
+                            <a:latin typeface="Cambria Math" panose="02040503050406030204" pitchFamily="18" charset="0"/>
+                          </a:rPr>
+                          <m:t>𝑓</m:t>
+                        </m:r>
+                      </m:e>
+                      <m:sub>
+                        <m:r>
+                          <a:rPr lang="en-US" altLang="zh-TW" b="0" i="1" smtClean="0">
+                            <a:latin typeface="Cambria Math" panose="02040503050406030204" pitchFamily="18" charset="0"/>
+                          </a:rPr>
+                          <m:t>0</m:t>
+                        </m:r>
+                      </m:sub>
+                    </m:sSub>
+                    <m:r>
+                      <m:rPr>
+                        <m:nor/>
+                      </m:rPr>
+                      <a:rPr lang="zh-TW" altLang="en-US"/>
+                      <m:t>、</m:t>
+                    </m:r>
+                    <m:sSub>
+                      <m:sSubPr>
+                        <m:ctrlPr>
+                          <a:rPr lang="en-US" altLang="zh-TW" i="1">
+                            <a:latin typeface="Cambria Math" panose="02040503050406030204" pitchFamily="18" charset="0"/>
+                          </a:rPr>
+                        </m:ctrlPr>
+                      </m:sSubPr>
+                      <m:e>
+                        <m:r>
+                          <a:rPr lang="en-US" altLang="zh-TW" b="0" i="1" smtClean="0">
+                            <a:latin typeface="Cambria Math" panose="02040503050406030204" pitchFamily="18" charset="0"/>
+                          </a:rPr>
+                          <m:t>2</m:t>
+                        </m:r>
+                        <m:r>
+                          <a:rPr lang="en-US" altLang="zh-TW" i="1">
+                            <a:latin typeface="Cambria Math" panose="02040503050406030204" pitchFamily="18" charset="0"/>
+                          </a:rPr>
+                          <m:t>𝑓</m:t>
+                        </m:r>
+                      </m:e>
+                      <m:sub>
+                        <m:r>
+                          <a:rPr lang="en-US" altLang="zh-TW" i="1">
+                            <a:latin typeface="Cambria Math" panose="02040503050406030204" pitchFamily="18" charset="0"/>
+                          </a:rPr>
+                          <m:t>0</m:t>
+                        </m:r>
+                      </m:sub>
+                    </m:sSub>
+                    <m:r>
+                      <m:rPr>
+                        <m:nor/>
+                      </m:rPr>
+                      <a:rPr lang="zh-TW" altLang="en-US"/>
+                      <m:t>、</m:t>
+                    </m:r>
+                    <m:sSub>
+                      <m:sSubPr>
+                        <m:ctrlPr>
+                          <a:rPr lang="en-US" altLang="zh-TW" i="1">
+                            <a:latin typeface="Cambria Math" panose="02040503050406030204" pitchFamily="18" charset="0"/>
+                          </a:rPr>
+                        </m:ctrlPr>
+                      </m:sSubPr>
+                      <m:e>
+                        <m:r>
+                          <a:rPr lang="en-US" altLang="zh-TW" b="0" i="1" smtClean="0">
+                            <a:latin typeface="Cambria Math" panose="02040503050406030204" pitchFamily="18" charset="0"/>
+                          </a:rPr>
+                          <m:t>3</m:t>
+                        </m:r>
+                        <m:r>
+                          <a:rPr lang="en-US" altLang="zh-TW" i="1">
+                            <a:latin typeface="Cambria Math" panose="02040503050406030204" pitchFamily="18" charset="0"/>
+                          </a:rPr>
+                          <m:t>𝑓</m:t>
+                        </m:r>
+                      </m:e>
+                      <m:sub>
+                        <m:r>
+                          <a:rPr lang="en-US" altLang="zh-TW" i="1">
+                            <a:latin typeface="Cambria Math" panose="02040503050406030204" pitchFamily="18" charset="0"/>
+                          </a:rPr>
+                          <m:t>0</m:t>
+                        </m:r>
+                      </m:sub>
+                    </m:sSub>
+                    <m:r>
+                      <a:rPr lang="zh-TW" altLang="en-US" b="0" i="1" smtClean="0">
+                        <a:latin typeface="Cambria Math" panose="02040503050406030204" pitchFamily="18" charset="0"/>
+                      </a:rPr>
+                      <m:t> </m:t>
+                    </m:r>
+                  </m:oMath>
+                </a14:m>
+                <a:r>
+                  <a:rPr kumimoji="1" lang="en-US" altLang="zh-TW" dirty="0"/>
+                  <a:t>HZ…</a:t>
+                </a:r>
+                <a:r>
+                  <a:rPr kumimoji="1" lang="zh-TW" altLang="en-US" dirty="0"/>
+                  <a:t>，只要記錄這些地方</a:t>
+                </a:r>
+                <a:r>
+                  <a:rPr lang="zh-TW" altLang="en-US" dirty="0"/>
+                  <a:t>，</a:t>
+                </a:r>
+                <a:r>
+                  <a:rPr kumimoji="1" lang="zh-TW" altLang="en-US" dirty="0"/>
+                  <a:t>其他地方可以精簡。</a:t>
+                </a:r>
+                <a:endParaRPr kumimoji="1" lang="en-US" altLang="zh-TW" dirty="0"/>
+              </a:p>
+              <a:p>
+                <a:pPr marL="457200" indent="-457200">
+                  <a:buAutoNum type="arabicPeriod"/>
+                </a:pPr>
+                <a:r>
+                  <a:rPr lang="zh-TW" altLang="en-US" dirty="0"/>
+                  <a:t>在同一個音當中頻率是穩定的。</a:t>
+                </a:r>
+                <a:endParaRPr lang="en-US" altLang="zh-TW" dirty="0"/>
+              </a:p>
+              <a:p>
+                <a:pPr marL="457200" indent="-457200">
+                  <a:buAutoNum type="arabicPeriod"/>
+                </a:pPr>
+                <a:r>
+                  <a:rPr kumimoji="1" lang="en-US" altLang="zh-TW" dirty="0"/>
+                  <a:t>Repeated</a:t>
+                </a:r>
+                <a:r>
+                  <a:rPr kumimoji="1" lang="zh-TW" altLang="en-US" dirty="0"/>
+                  <a:t> </a:t>
+                </a:r>
+                <a:r>
+                  <a:rPr kumimoji="1" lang="en-US" altLang="zh-TW" dirty="0"/>
+                  <a:t>melody</a:t>
+                </a:r>
+                <a:r>
+                  <a:rPr lang="zh-TW" altLang="en-US" dirty="0"/>
+                  <a:t>，</a:t>
+                </a:r>
+                <a:r>
+                  <a:rPr kumimoji="1" lang="zh-TW" altLang="en-US" dirty="0"/>
+                  <a:t>大部分的音樂旋律都會重複。</a:t>
+                </a:r>
+                <a:endParaRPr kumimoji="1" lang="en-US" altLang="zh-TW" dirty="0"/>
+              </a:p>
+            </p:txBody>
+          </p:sp>
+        </mc:Choice>
+        <mc:Fallback>
+          <p:sp>
+            <p:nvSpPr>
+              <p:cNvPr id="2" name="文字方塊 1">
+                <a:extLst>
+                  <a:ext uri="{FF2B5EF4-FFF2-40B4-BE49-F238E27FC236}">
+                    <a16:creationId xmlns:a16="http://schemas.microsoft.com/office/drawing/2014/main" id="{F1D7CB21-A528-7D21-67B0-96CAAF2F3DA5}"/>
+                  </a:ext>
+                </a:extLst>
+              </p:cNvPr>
+              <p:cNvSpPr txBox="1">
+                <a:spLocks noRot="1" noChangeAspect="1" noMove="1" noResize="1" noEditPoints="1" noAdjustHandles="1" noChangeArrowheads="1" noChangeShapeType="1" noTextEdit="1"/>
+              </p:cNvSpPr>
+              <p:nvPr/>
+            </p:nvSpPr>
+            <p:spPr>
+              <a:xfrm>
+                <a:off x="287524" y="1700808"/>
+                <a:ext cx="8568952" cy="1323439"/>
+              </a:xfrm>
+              <a:prstGeom prst="rect">
+                <a:avLst/>
+              </a:prstGeom>
+              <a:blipFill>
+                <a:blip r:embed="rId2"/>
+                <a:stretch>
+                  <a:fillRect l="-592" t="-2830" b="-6604"/>
+                </a:stretch>
+              </a:blipFill>
+            </p:spPr>
+            <p:txBody>
+              <a:bodyPr/>
+              <a:lstStyle/>
+              <a:p>
+                <a:r>
+                  <a:rPr lang="zh-TW" altLang="en-US">
+                    <a:noFill/>
+                  </a:rPr>
+                  <a:t> </a:t>
+                </a:r>
+              </a:p>
+            </p:txBody>
+          </p:sp>
+        </mc:Fallback>
+      </mc:AlternateContent>
     </p:spTree>
     <p:extLst>
       <p:ext uri="{BB962C8B-B14F-4D97-AF65-F5344CB8AC3E}">
@@ -6785,6 +8278,44 @@
             <a:r>
               <a:rPr lang="en-US" altLang="zh-TW" dirty="0"/>
               <a:t> is beneficial for AC term encoding?             (20 scores)</a:t>
+            </a:r>
+          </a:p>
+        </p:txBody>
+      </p:sp>
+      <p:sp>
+        <p:nvSpPr>
+          <p:cNvPr id="2" name="文字方塊 1">
+            <a:extLst>
+              <a:ext uri="{FF2B5EF4-FFF2-40B4-BE49-F238E27FC236}">
+                <a16:creationId xmlns:a16="http://schemas.microsoft.com/office/drawing/2014/main" id="{F1719297-7912-582E-9247-937DACBDA8A6}"/>
+              </a:ext>
+            </a:extLst>
+          </p:cNvPr>
+          <p:cNvSpPr txBox="1"/>
+          <p:nvPr/>
+        </p:nvSpPr>
+        <p:spPr>
+          <a:xfrm>
+            <a:off x="323528" y="2420888"/>
+            <a:ext cx="8496944" cy="400110"/>
+          </a:xfrm>
+          <a:prstGeom prst="rect">
+            <a:avLst/>
+          </a:prstGeom>
+          <a:noFill/>
+        </p:spPr>
+        <p:txBody>
+          <a:bodyPr wrap="square" rtlCol="0">
+            <a:spAutoFit/>
+          </a:bodyPr>
+          <a:lstStyle/>
+          <a:p>
+            <a:pPr marL="457200" indent="-457200">
+              <a:buAutoNum type="alphaLcParenBoth"/>
+            </a:pPr>
+            <a:r>
+              <a:rPr kumimoji="1" lang="en-US" altLang="zh-TW"/>
+              <a:t>D</a:t>
             </a:r>
           </a:p>
         </p:txBody>

--- a/HW3/r10943181_HW3.pptx
+++ b/HW3/r10943181_HW3.pptx
@@ -5859,8 +5859,8 @@
           </a:p>
         </p:txBody>
       </p:sp>
-      <mc:AlternateContent xmlns:mc="http://schemas.openxmlformats.org/markup-compatibility/2006">
-        <mc:Choice xmlns:a14="http://schemas.microsoft.com/office/drawing/2010/main" Requires="a14">
+      <mc:AlternateContent xmlns:mc="http://schemas.openxmlformats.org/markup-compatibility/2006" xmlns:a14="http://schemas.microsoft.com/office/drawing/2010/main">
+        <mc:Choice Requires="a14">
           <p:sp>
             <p:nvSpPr>
               <p:cNvPr id="2" name="文字方塊 1">
@@ -6328,7 +6328,7 @@
             </p:txBody>
           </p:sp>
         </mc:Choice>
-        <mc:Fallback>
+        <mc:Fallback xmlns="">
           <p:sp>
             <p:nvSpPr>
               <p:cNvPr id="2" name="文字方塊 1">
@@ -6539,8 +6539,8 @@
           </a:p>
         </p:txBody>
       </p:sp>
-      <mc:AlternateContent xmlns:mc="http://schemas.openxmlformats.org/markup-compatibility/2006">
-        <mc:Choice xmlns:a14="http://schemas.microsoft.com/office/drawing/2010/main" Requires="a14">
+      <mc:AlternateContent xmlns:mc="http://schemas.openxmlformats.org/markup-compatibility/2006" xmlns:a14="http://schemas.microsoft.com/office/drawing/2010/main">
+        <mc:Choice Requires="a14">
           <p:sp>
             <p:nvSpPr>
               <p:cNvPr id="2" name="文字方塊 1">
@@ -7366,6 +7366,7 @@
                 <a:endParaRPr kumimoji="1" lang="en-US" altLang="zh-TW" dirty="0"/>
               </a:p>
               <a:p>
+                <a:pPr/>
                 <a14:m>
                   <m:oMathPara xmlns:m="http://schemas.openxmlformats.org/officeDocument/2006/math">
                     <m:oMathParaPr>
@@ -7677,6 +7678,7 @@
                 <a:endParaRPr kumimoji="1" lang="en-US" altLang="zh-TW" dirty="0"/>
               </a:p>
               <a:p>
+                <a:pPr/>
                 <a14:m>
                   <m:oMathPara xmlns:m="http://schemas.openxmlformats.org/officeDocument/2006/math">
                     <m:oMathParaPr>
@@ -7751,7 +7753,7 @@
             </p:txBody>
           </p:sp>
         </mc:Choice>
-        <mc:Fallback>
+        <mc:Fallback xmlns="">
           <p:sp>
             <p:nvSpPr>
               <p:cNvPr id="2" name="文字方塊 1">
@@ -7915,8 +7917,8 @@
           </a:p>
         </p:txBody>
       </p:sp>
-      <mc:AlternateContent xmlns:mc="http://schemas.openxmlformats.org/markup-compatibility/2006">
-        <mc:Choice xmlns:a14="http://schemas.microsoft.com/office/drawing/2010/main" Requires="a14">
+      <mc:AlternateContent xmlns:mc="http://schemas.openxmlformats.org/markup-compatibility/2006" xmlns:a14="http://schemas.microsoft.com/office/drawing/2010/main">
+        <mc:Choice Requires="a14">
           <p:sp>
             <p:nvSpPr>
               <p:cNvPr id="2" name="文字方塊 1">
@@ -8120,7 +8122,7 @@
             </p:txBody>
           </p:sp>
         </mc:Choice>
-        <mc:Fallback>
+        <mc:Fallback xmlns="">
           <p:sp>
             <p:nvSpPr>
               <p:cNvPr id="2" name="文字方塊 1">
@@ -8297,7 +8299,7 @@
         <p:spPr>
           <a:xfrm>
             <a:off x="323528" y="2420888"/>
-            <a:ext cx="8496944" cy="400110"/>
+            <a:ext cx="8496944" cy="4401205"/>
           </a:xfrm>
           <a:prstGeom prst="rect">
             <a:avLst/>
@@ -8314,9 +8316,208 @@
               <a:buAutoNum type="alphaLcParenBoth"/>
             </a:pPr>
             <a:r>
-              <a:rPr kumimoji="1" lang="en-US" altLang="zh-TW"/>
-              <a:t>D</a:t>
-            </a:r>
+              <a:rPr lang="en-US" altLang="zh-TW" dirty="0"/>
+              <a:t>1.</a:t>
+            </a:r>
+            <a:r>
+              <a:rPr lang="zh-TW" altLang="en-US" dirty="0"/>
+              <a:t> </a:t>
+            </a:r>
+            <a:r>
+              <a:rPr lang="en-US" altLang="zh-TW" dirty="0"/>
+              <a:t>near optimal</a:t>
+            </a:r>
+            <a:r>
+              <a:rPr lang="zh-TW" altLang="en-US" dirty="0"/>
+              <a:t>：跟 </a:t>
+            </a:r>
+            <a:r>
+              <a:rPr lang="en-US" altLang="zh-TW" dirty="0" err="1"/>
+              <a:t>fourier</a:t>
+            </a:r>
+            <a:r>
+              <a:rPr lang="en-US" altLang="zh-TW" dirty="0"/>
+              <a:t> transform</a:t>
+            </a:r>
+            <a:r>
+              <a:rPr lang="zh-TW" altLang="en-US" dirty="0"/>
+              <a:t> 相比，</a:t>
+            </a:r>
+            <a:r>
+              <a:rPr lang="en-US" altLang="zh-TW" dirty="0"/>
+              <a:t>DCT</a:t>
+            </a:r>
+            <a:r>
+              <a:rPr lang="zh-TW" altLang="en-US" dirty="0"/>
+              <a:t> 能量集中度更好，可以讓能量更集中。 </a:t>
+            </a:r>
+            <a:endParaRPr lang="en-US" altLang="zh-TW" dirty="0"/>
+          </a:p>
+          <a:p>
+            <a:pPr lvl="1"/>
+            <a:r>
+              <a:rPr kumimoji="1" lang="en-US" altLang="zh-TW" dirty="0"/>
+              <a:t>2.</a:t>
+            </a:r>
+            <a:r>
+              <a:rPr kumimoji="1" lang="zh-TW" altLang="en-US" dirty="0"/>
+              <a:t> </a:t>
+            </a:r>
+            <a:r>
+              <a:rPr lang="en-US" altLang="zh-TW" dirty="0"/>
+              <a:t>real output</a:t>
+            </a:r>
+            <a:r>
+              <a:rPr lang="zh-TW" altLang="en-US" dirty="0"/>
+              <a:t>：</a:t>
+            </a:r>
+            <a:r>
+              <a:rPr lang="en-US" altLang="zh-TW" dirty="0"/>
+              <a:t> DCT</a:t>
+            </a:r>
+            <a:r>
+              <a:rPr lang="zh-TW" altLang="en-US" dirty="0"/>
+              <a:t> 是實數的，而 </a:t>
+            </a:r>
+            <a:r>
+              <a:rPr lang="en-US" altLang="zh-TW" dirty="0" err="1"/>
+              <a:t>fourier</a:t>
+            </a:r>
+            <a:r>
+              <a:rPr lang="en-US" altLang="zh-TW" dirty="0"/>
+              <a:t> transform</a:t>
+            </a:r>
+            <a:r>
+              <a:rPr lang="zh-TW" altLang="en-US" dirty="0"/>
+              <a:t> 是複數，要記錄實數與虛數的結果，不利於做壓縮，需要的記憶體量會比較多。</a:t>
+            </a:r>
+            <a:endParaRPr lang="en-US" altLang="zh-TW" dirty="0"/>
+          </a:p>
+          <a:p>
+            <a:pPr marL="457200" indent="-457200">
+              <a:buAutoNum type="alphaLcParenBoth"/>
+            </a:pPr>
+            <a:r>
+              <a:rPr lang="en-US" altLang="zh-TW" dirty="0"/>
+              <a:t>1.</a:t>
+            </a:r>
+            <a:r>
+              <a:rPr lang="zh-TW" altLang="en-US" dirty="0"/>
+              <a:t> 頻率分布通常會隨著空間改變，而某些部分很有可能只有低頻的成分，該方格會接近常數，經過 </a:t>
+            </a:r>
+            <a:r>
+              <a:rPr lang="en-US" altLang="zh-TW" dirty="0"/>
+              <a:t>DCT</a:t>
+            </a:r>
+            <a:r>
+              <a:rPr lang="zh-TW" altLang="en-US" dirty="0"/>
+              <a:t> 就會變成一個點，所以取整張圖不如取局部的，只記錄該點的值，其他可以忽略。</a:t>
+            </a:r>
+            <a:endParaRPr lang="en-US" altLang="zh-TW" dirty="0"/>
+          </a:p>
+          <a:p>
+            <a:pPr lvl="1"/>
+            <a:r>
+              <a:rPr lang="en-US" altLang="zh-TW" dirty="0"/>
+              <a:t>2.</a:t>
+            </a:r>
+            <a:r>
+              <a:rPr lang="zh-TW" altLang="en-US" dirty="0"/>
+              <a:t> 整張圖一起存會耗費很多暫存記憶體，增加硬體成本，</a:t>
+            </a:r>
+            <a:r>
+              <a:rPr lang="en-US" altLang="zh-TW" dirty="0"/>
+              <a:t>8x8</a:t>
+            </a:r>
+            <a:r>
+              <a:rPr lang="zh-TW" altLang="en-US" dirty="0"/>
+              <a:t>的話需要的暫存記憶體比較少。</a:t>
+            </a:r>
+            <a:endParaRPr lang="en-US" altLang="zh-TW" dirty="0"/>
+          </a:p>
+          <a:p>
+            <a:pPr marL="457200" indent="-457200">
+              <a:buFontTx/>
+              <a:buAutoNum type="alphaLcParenBoth"/>
+            </a:pPr>
+            <a:r>
+              <a:rPr lang="zh-TW" altLang="en-US" dirty="0"/>
+              <a:t>在大部分的情況下 </a:t>
+            </a:r>
+            <a:r>
+              <a:rPr lang="en-US" altLang="zh-TW" dirty="0"/>
+              <a:t>DC</a:t>
+            </a:r>
+            <a:r>
+              <a:rPr lang="zh-TW" altLang="en-US" dirty="0"/>
+              <a:t> </a:t>
+            </a:r>
+            <a:r>
+              <a:rPr lang="en-US" altLang="zh-TW" dirty="0"/>
+              <a:t>difference</a:t>
+            </a:r>
+            <a:r>
+              <a:rPr lang="zh-TW" altLang="en-US" dirty="0"/>
+              <a:t> 會近似於 </a:t>
+            </a:r>
+            <a:r>
+              <a:rPr lang="en-US" altLang="zh-TW" dirty="0"/>
+              <a:t>0</a:t>
+            </a:r>
+            <a:r>
+              <a:rPr lang="zh-TW" altLang="en-US" dirty="0"/>
+              <a:t>，有集中性就利於做壓縮。</a:t>
+            </a:r>
+            <a:endParaRPr lang="en-US" altLang="zh-TW" dirty="0"/>
+          </a:p>
+          <a:p>
+            <a:pPr marL="457200" indent="-457200">
+              <a:buFontTx/>
+              <a:buAutoNum type="alphaLcParenBoth"/>
+            </a:pPr>
+            <a:r>
+              <a:rPr lang="zh-TW" altLang="en-US" dirty="0"/>
+              <a:t>信號大部分都集中在低頻，越高頻為 </a:t>
+            </a:r>
+            <a:r>
+              <a:rPr lang="en-US" altLang="zh-TW" dirty="0"/>
+              <a:t>0</a:t>
+            </a:r>
+            <a:r>
+              <a:rPr lang="zh-TW" altLang="en-US" dirty="0"/>
+              <a:t> 的機率越高，利用 </a:t>
+            </a:r>
+            <a:r>
+              <a:rPr lang="en-US" altLang="zh-TW" dirty="0"/>
+              <a:t>zigzag</a:t>
+            </a:r>
+            <a:r>
+              <a:rPr lang="zh-TW" altLang="en-US" dirty="0"/>
+              <a:t> 的順序再配合 </a:t>
+            </a:r>
+            <a:r>
+              <a:rPr lang="en-US" altLang="zh-TW" dirty="0"/>
+              <a:t>EOB</a:t>
+            </a:r>
+            <a:r>
+              <a:rPr lang="zh-TW" altLang="en-US" dirty="0"/>
+              <a:t> 的話，就可以知道某個地方它後面的數值都為 </a:t>
+            </a:r>
+            <a:r>
+              <a:rPr lang="en-US" altLang="zh-TW" dirty="0"/>
+              <a:t>0</a:t>
+            </a:r>
+            <a:r>
+              <a:rPr lang="zh-TW" altLang="en-US" dirty="0"/>
+              <a:t> 不需要做編碼。</a:t>
+            </a:r>
+            <a:endParaRPr lang="en-US" altLang="zh-TW" dirty="0"/>
+          </a:p>
+          <a:p>
+            <a:pPr marL="457200" indent="-457200">
+              <a:buAutoNum type="alphaLcParenBoth"/>
+            </a:pPr>
+            <a:endParaRPr lang="en-US" altLang="zh-TW" dirty="0"/>
           </a:p>
         </p:txBody>
       </p:sp>
@@ -8366,7 +8567,7 @@
         </p:nvSpPr>
         <p:spPr bwMode="auto">
           <a:xfrm>
-            <a:off x="323528" y="404664"/>
+            <a:off x="323528" y="225642"/>
             <a:ext cx="8424936" cy="1569660"/>
           </a:xfrm>
           <a:prstGeom prst="rect">
@@ -8546,6 +8747,946 @@
           </a:p>
         </p:txBody>
       </p:sp>
+      <mc:AlternateContent xmlns:mc="http://schemas.openxmlformats.org/markup-compatibility/2006">
+        <mc:Choice xmlns:a14="http://schemas.microsoft.com/office/drawing/2010/main" Requires="a14">
+          <p:sp>
+            <p:nvSpPr>
+              <p:cNvPr id="2" name="文字方塊 1">
+                <a:extLst>
+                  <a:ext uri="{FF2B5EF4-FFF2-40B4-BE49-F238E27FC236}">
+                    <a16:creationId xmlns:a16="http://schemas.microsoft.com/office/drawing/2014/main" id="{B57F3B43-A1BE-30D0-172E-671FE4E1F4D9}"/>
+                  </a:ext>
+                </a:extLst>
+              </p:cNvPr>
+              <p:cNvSpPr txBox="1"/>
+              <p:nvPr/>
+            </p:nvSpPr>
+            <p:spPr>
+              <a:xfrm>
+                <a:off x="323528" y="1916832"/>
+                <a:ext cx="8424936" cy="5116914"/>
+              </a:xfrm>
+              <a:prstGeom prst="rect">
+                <a:avLst/>
+              </a:prstGeom>
+              <a:noFill/>
+            </p:spPr>
+            <p:txBody>
+              <a:bodyPr wrap="square" rtlCol="0">
+                <a:spAutoFit/>
+              </a:bodyPr>
+              <a:lstStyle/>
+              <a:p>
+                <a:endParaRPr lang="en-US" altLang="zh-TW" sz="1800" dirty="0"/>
+              </a:p>
+              <a:p>
+                <a:endParaRPr lang="en-US" altLang="zh-TW" sz="1800" dirty="0"/>
+              </a:p>
+              <a:p>
+                <a14:m>
+                  <m:oMathPara xmlns:m="http://schemas.openxmlformats.org/officeDocument/2006/math">
+                    <m:oMathParaPr>
+                      <m:jc m:val="centerGroup"/>
+                    </m:oMathParaPr>
+                    <m:oMath xmlns:m="http://schemas.openxmlformats.org/officeDocument/2006/math">
+                      <m:r>
+                        <a:rPr kumimoji="1" lang="en-US" altLang="zh-TW" sz="1800" b="0" i="1" smtClean="0">
+                          <a:latin typeface="Cambria Math" panose="02040503050406030204" pitchFamily="18" charset="0"/>
+                        </a:rPr>
+                        <m:t>=</m:t>
+                      </m:r>
+                      <m:nary>
+                        <m:naryPr>
+                          <m:chr m:val="∑"/>
+                          <m:ctrlPr>
+                            <a:rPr kumimoji="1" lang="en-US" altLang="zh-TW" sz="1800" b="0" i="1" smtClean="0">
+                              <a:latin typeface="Cambria Math" panose="02040503050406030204" pitchFamily="18" charset="0"/>
+                            </a:rPr>
+                          </m:ctrlPr>
+                        </m:naryPr>
+                        <m:sub>
+                          <m:r>
+                            <m:rPr>
+                              <m:brk m:alnAt="23"/>
+                            </m:rPr>
+                            <a:rPr kumimoji="1" lang="en-US" altLang="zh-TW" sz="1800" b="0" i="1" smtClean="0">
+                              <a:latin typeface="Cambria Math" panose="02040503050406030204" pitchFamily="18" charset="0"/>
+                            </a:rPr>
+                            <m:t>𝑛</m:t>
+                          </m:r>
+                          <m:r>
+                            <a:rPr kumimoji="1" lang="en-US" altLang="zh-TW" sz="1800" b="0" i="1" smtClean="0">
+                              <a:latin typeface="Cambria Math" panose="02040503050406030204" pitchFamily="18" charset="0"/>
+                            </a:rPr>
+                            <m:t>=0</m:t>
+                          </m:r>
+                        </m:sub>
+                        <m:sup>
+                          <m:r>
+                            <a:rPr lang="en-US" altLang="zh-TW" sz="1800" i="1">
+                              <a:latin typeface="Cambria Math" panose="02040503050406030204" pitchFamily="18" charset="0"/>
+                              <a:ea typeface="Cambria Math" panose="02040503050406030204" pitchFamily="18" charset="0"/>
+                            </a:rPr>
+                            <m:t>∞</m:t>
+                          </m:r>
+                        </m:sup>
+                        <m:e>
+                          <m:sSup>
+                            <m:sSupPr>
+                              <m:ctrlPr>
+                                <a:rPr kumimoji="1" lang="en-US" altLang="zh-TW" sz="1800" b="0" i="1" smtClean="0">
+                                  <a:latin typeface="Cambria Math" panose="02040503050406030204" pitchFamily="18" charset="0"/>
+                                </a:rPr>
+                              </m:ctrlPr>
+                            </m:sSupPr>
+                            <m:e>
+                              <m:r>
+                                <a:rPr kumimoji="1" lang="en-US" altLang="zh-TW" sz="1800" b="0" i="1" smtClean="0">
+                                  <a:latin typeface="Cambria Math" panose="02040503050406030204" pitchFamily="18" charset="0"/>
+                                </a:rPr>
+                                <m:t>𝑒</m:t>
+                              </m:r>
+                            </m:e>
+                            <m:sup>
+                              <m:r>
+                                <a:rPr kumimoji="1" lang="en-US" altLang="zh-TW" sz="1800" b="0" i="1" smtClean="0">
+                                  <a:latin typeface="Cambria Math" panose="02040503050406030204" pitchFamily="18" charset="0"/>
+                                </a:rPr>
+                                <m:t>−</m:t>
+                              </m:r>
+                              <m:r>
+                                <m:rPr>
+                                  <m:nor/>
+                                </m:rPr>
+                                <a:rPr lang="en-US" altLang="zh-TW" sz="1800" dirty="0"/>
+                                <m:t>0.97</m:t>
+                              </m:r>
+                            </m:sup>
+                          </m:sSup>
+                          <m:f>
+                            <m:fPr>
+                              <m:ctrlPr>
+                                <a:rPr kumimoji="1" lang="en-US" altLang="zh-TW" sz="1800" b="0" i="1" smtClean="0">
+                                  <a:latin typeface="Cambria Math" panose="02040503050406030204" pitchFamily="18" charset="0"/>
+                                </a:rPr>
+                              </m:ctrlPr>
+                            </m:fPr>
+                            <m:num>
+                              <m:sSup>
+                                <m:sSupPr>
+                                  <m:ctrlPr>
+                                    <a:rPr kumimoji="1" lang="en-US" altLang="zh-TW" sz="1800" b="0" i="1" smtClean="0">
+                                      <a:latin typeface="Cambria Math" panose="02040503050406030204" pitchFamily="18" charset="0"/>
+                                    </a:rPr>
+                                  </m:ctrlPr>
+                                </m:sSupPr>
+                                <m:e>
+                                  <m:r>
+                                    <m:rPr>
+                                      <m:nor/>
+                                    </m:rPr>
+                                    <a:rPr lang="en-US" altLang="zh-TW" sz="1800" dirty="0"/>
+                                    <m:t>0.97</m:t>
+                                  </m:r>
+                                </m:e>
+                                <m:sup>
+                                  <m:r>
+                                    <a:rPr kumimoji="1" lang="en-US" altLang="zh-TW" sz="1800" b="0" i="1" smtClean="0">
+                                      <a:latin typeface="Cambria Math" panose="02040503050406030204" pitchFamily="18" charset="0"/>
+                                    </a:rPr>
+                                    <m:t>𝑛</m:t>
+                                  </m:r>
+                                </m:sup>
+                              </m:sSup>
+                            </m:num>
+                            <m:den>
+                              <m:r>
+                                <a:rPr kumimoji="1" lang="en-US" altLang="zh-TW" sz="1800" b="0" i="1" smtClean="0">
+                                  <a:latin typeface="Cambria Math" panose="02040503050406030204" pitchFamily="18" charset="0"/>
+                                </a:rPr>
+                                <m:t>𝑛</m:t>
+                              </m:r>
+                              <m:r>
+                                <a:rPr kumimoji="1" lang="en-US" altLang="zh-TW" sz="1800" b="0" i="1" smtClean="0">
+                                  <a:latin typeface="Cambria Math" panose="02040503050406030204" pitchFamily="18" charset="0"/>
+                                </a:rPr>
+                                <m:t>!</m:t>
+                              </m:r>
+                            </m:den>
+                          </m:f>
+                        </m:e>
+                      </m:nary>
+                      <m:r>
+                        <m:rPr>
+                          <m:sty m:val="p"/>
+                        </m:rPr>
+                        <a:rPr kumimoji="1" lang="en-US" altLang="zh-TW" sz="1800" b="0" i="0" smtClean="0">
+                          <a:latin typeface="Cambria Math" panose="02040503050406030204" pitchFamily="18" charset="0"/>
+                        </a:rPr>
+                        <m:t>l</m:t>
+                      </m:r>
+                      <m:func>
+                        <m:funcPr>
+                          <m:ctrlPr>
+                            <a:rPr kumimoji="1" lang="en-US" altLang="zh-TW" sz="1800" b="0" i="1" smtClean="0">
+                              <a:latin typeface="Cambria Math" panose="02040503050406030204" pitchFamily="18" charset="0"/>
+                            </a:rPr>
+                          </m:ctrlPr>
+                        </m:funcPr>
+                        <m:fName>
+                          <m:r>
+                            <a:rPr kumimoji="1" lang="en-US" altLang="zh-TW" sz="1800" b="0" i="1" smtClean="0">
+                              <a:latin typeface="Cambria Math" panose="02040503050406030204" pitchFamily="18" charset="0"/>
+                            </a:rPr>
+                            <m:t>𝑛</m:t>
+                          </m:r>
+                        </m:fName>
+                        <m:e>
+                          <m:d>
+                            <m:dPr>
+                              <m:ctrlPr>
+                                <a:rPr kumimoji="1" lang="en-US" altLang="zh-TW" sz="1800" b="0" i="1" smtClean="0">
+                                  <a:latin typeface="Cambria Math" panose="02040503050406030204" pitchFamily="18" charset="0"/>
+                                </a:rPr>
+                              </m:ctrlPr>
+                            </m:dPr>
+                            <m:e>
+                              <m:f>
+                                <m:fPr>
+                                  <m:ctrlPr>
+                                    <a:rPr kumimoji="1" lang="en-US" altLang="zh-TW" sz="1800" b="0" i="1" smtClean="0">
+                                      <a:latin typeface="Cambria Math" panose="02040503050406030204" pitchFamily="18" charset="0"/>
+                                    </a:rPr>
+                                  </m:ctrlPr>
+                                </m:fPr>
+                                <m:num>
+                                  <m:r>
+                                    <a:rPr kumimoji="1" lang="en-US" altLang="zh-TW" sz="1800" b="0" i="1" smtClean="0">
+                                      <a:latin typeface="Cambria Math" panose="02040503050406030204" pitchFamily="18" charset="0"/>
+                                    </a:rPr>
+                                    <m:t>1</m:t>
+                                  </m:r>
+                                </m:num>
+                                <m:den>
+                                  <m:sSup>
+                                    <m:sSupPr>
+                                      <m:ctrlPr>
+                                        <a:rPr lang="en-US" altLang="zh-TW" sz="1800" i="1">
+                                          <a:latin typeface="Cambria Math" panose="02040503050406030204" pitchFamily="18" charset="0"/>
+                                        </a:rPr>
+                                      </m:ctrlPr>
+                                    </m:sSupPr>
+                                    <m:e>
+                                      <m:r>
+                                        <a:rPr lang="en-US" altLang="zh-TW" sz="1800" i="1">
+                                          <a:latin typeface="Cambria Math" panose="02040503050406030204" pitchFamily="18" charset="0"/>
+                                        </a:rPr>
+                                        <m:t>𝑒</m:t>
+                                      </m:r>
+                                    </m:e>
+                                    <m:sup>
+                                      <m:r>
+                                        <a:rPr lang="en-US" altLang="zh-TW" sz="1800" i="1">
+                                          <a:latin typeface="Cambria Math" panose="02040503050406030204" pitchFamily="18" charset="0"/>
+                                        </a:rPr>
+                                        <m:t>−</m:t>
+                                      </m:r>
+                                      <m:r>
+                                        <m:rPr>
+                                          <m:nor/>
+                                        </m:rPr>
+                                        <a:rPr lang="en-US" altLang="zh-TW" sz="1800" dirty="0"/>
+                                        <m:t>0.97</m:t>
+                                      </m:r>
+                                    </m:sup>
+                                  </m:sSup>
+                                  <m:f>
+                                    <m:fPr>
+                                      <m:ctrlPr>
+                                        <a:rPr lang="en-US" altLang="zh-TW" sz="1800" i="1">
+                                          <a:latin typeface="Cambria Math" panose="02040503050406030204" pitchFamily="18" charset="0"/>
+                                        </a:rPr>
+                                      </m:ctrlPr>
+                                    </m:fPr>
+                                    <m:num>
+                                      <m:sSup>
+                                        <m:sSupPr>
+                                          <m:ctrlPr>
+                                            <a:rPr lang="en-US" altLang="zh-TW" sz="1800" i="1">
+                                              <a:latin typeface="Cambria Math" panose="02040503050406030204" pitchFamily="18" charset="0"/>
+                                            </a:rPr>
+                                          </m:ctrlPr>
+                                        </m:sSupPr>
+                                        <m:e>
+                                          <m:r>
+                                            <m:rPr>
+                                              <m:nor/>
+                                            </m:rPr>
+                                            <a:rPr lang="en-US" altLang="zh-TW" sz="1800" dirty="0"/>
+                                            <m:t>0.97</m:t>
+                                          </m:r>
+                                        </m:e>
+                                        <m:sup>
+                                          <m:r>
+                                            <a:rPr lang="en-US" altLang="zh-TW" sz="1800" i="1">
+                                              <a:latin typeface="Cambria Math" panose="02040503050406030204" pitchFamily="18" charset="0"/>
+                                            </a:rPr>
+                                            <m:t>𝑛</m:t>
+                                          </m:r>
+                                        </m:sup>
+                                      </m:sSup>
+                                    </m:num>
+                                    <m:den>
+                                      <m:r>
+                                        <a:rPr lang="en-US" altLang="zh-TW" sz="1800" i="1">
+                                          <a:latin typeface="Cambria Math" panose="02040503050406030204" pitchFamily="18" charset="0"/>
+                                        </a:rPr>
+                                        <m:t>𝑛</m:t>
+                                      </m:r>
+                                      <m:r>
+                                        <a:rPr lang="en-US" altLang="zh-TW" sz="1800" i="1">
+                                          <a:latin typeface="Cambria Math" panose="02040503050406030204" pitchFamily="18" charset="0"/>
+                                        </a:rPr>
+                                        <m:t>!</m:t>
+                                      </m:r>
+                                    </m:den>
+                                  </m:f>
+                                </m:den>
+                              </m:f>
+                            </m:e>
+                          </m:d>
+                        </m:e>
+                      </m:func>
+                      <m:r>
+                        <a:rPr lang="en-US" altLang="zh-TW" sz="1800" i="1">
+                          <a:latin typeface="Cambria Math" panose="02040503050406030204" pitchFamily="18" charset="0"/>
+                        </a:rPr>
+                        <m:t>=1.2873</m:t>
+                      </m:r>
+                    </m:oMath>
+                  </m:oMathPara>
+                </a14:m>
+                <a:endParaRPr kumimoji="1" lang="en-US" altLang="zh-TW" sz="1800" dirty="0"/>
+              </a:p>
+              <a:p>
+                <a:r>
+                  <a:rPr kumimoji="1" lang="en-US" altLang="zh-TW" sz="1800" dirty="0"/>
+                  <a:t>(</a:t>
+                </a:r>
+                <a:r>
+                  <a:rPr kumimoji="1" lang="en-US" altLang="zh-TW" sz="1800" dirty="0" err="1"/>
+                  <a:t>i</a:t>
+                </a:r>
+                <a:r>
+                  <a:rPr kumimoji="1" lang="en-US" altLang="zh-TW" sz="1800" dirty="0"/>
+                  <a:t>)</a:t>
+                </a:r>
+              </a:p>
+              <a:p>
+                <a:endParaRPr lang="en-US" altLang="zh-TW" sz="1800" dirty="0"/>
+              </a:p>
+              <a:p>
+                <a:endParaRPr kumimoji="1" lang="en-US" altLang="zh-TW" sz="1800" dirty="0"/>
+              </a:p>
+              <a:p>
+                <a14:m>
+                  <m:oMathPara xmlns:m="http://schemas.openxmlformats.org/officeDocument/2006/math">
+                    <m:oMathParaPr>
+                      <m:jc m:val="centerGroup"/>
+                    </m:oMathParaPr>
+                    <m:oMath xmlns:m="http://schemas.openxmlformats.org/officeDocument/2006/math">
+                      <m:r>
+                        <a:rPr kumimoji="1" lang="en-US" altLang="zh-TW" sz="1800" b="0" i="1" smtClean="0">
+                          <a:latin typeface="Cambria Math" panose="02040503050406030204" pitchFamily="18" charset="0"/>
+                        </a:rPr>
+                        <m:t>⇒</m:t>
+                      </m:r>
+                      <m:r>
+                        <a:rPr kumimoji="1" lang="en-US" altLang="zh-TW" sz="1800" b="0" i="1" smtClean="0">
+                          <a:latin typeface="Cambria Math" panose="02040503050406030204" pitchFamily="18" charset="0"/>
+                        </a:rPr>
+                        <m:t>𝑐𝑒𝑖𝑙</m:t>
+                      </m:r>
+                      <m:d>
+                        <m:dPr>
+                          <m:ctrlPr>
+                            <a:rPr kumimoji="1" lang="en-US" altLang="zh-TW" sz="1800" b="0" i="1" smtClean="0">
+                              <a:latin typeface="Cambria Math" panose="02040503050406030204" pitchFamily="18" charset="0"/>
+                            </a:rPr>
+                          </m:ctrlPr>
+                        </m:dPr>
+                        <m:e>
+                          <m:r>
+                            <m:rPr>
+                              <m:nor/>
+                            </m:rPr>
+                            <a:rPr lang="en-US" altLang="zh-TW" sz="1800" dirty="0"/>
+                            <m:t>50000</m:t>
+                          </m:r>
+                          <m:f>
+                            <m:fPr>
+                              <m:ctrlPr>
+                                <a:rPr lang="en-US" altLang="zh-TW" sz="1800" i="1" dirty="0" smtClean="0">
+                                  <a:latin typeface="Cambria Math" panose="02040503050406030204" pitchFamily="18" charset="0"/>
+                                </a:rPr>
+                              </m:ctrlPr>
+                            </m:fPr>
+                            <m:num>
+                              <m:r>
+                                <a:rPr lang="en-US" altLang="zh-TW" sz="1800" i="1">
+                                  <a:latin typeface="Cambria Math" panose="02040503050406030204" pitchFamily="18" charset="0"/>
+                                </a:rPr>
+                                <m:t>1.2873</m:t>
+                              </m:r>
+                            </m:num>
+                            <m:den>
+                              <m:r>
+                                <a:rPr lang="en-US" altLang="zh-TW" sz="1800" b="0" i="1" dirty="0" smtClean="0">
+                                  <a:latin typeface="Cambria Math" panose="02040503050406030204" pitchFamily="18" charset="0"/>
+                                </a:rPr>
+                                <m:t>𝑙𝑜𝑔</m:t>
+                              </m:r>
+                              <m:r>
+                                <a:rPr lang="en-US" altLang="zh-TW" sz="1800" b="0" i="1" dirty="0" smtClean="0">
+                                  <a:latin typeface="Cambria Math" panose="02040503050406030204" pitchFamily="18" charset="0"/>
+                                </a:rPr>
+                                <m:t>2</m:t>
+                              </m:r>
+                            </m:den>
+                          </m:f>
+                        </m:e>
+                      </m:d>
+                      <m:r>
+                        <a:rPr kumimoji="1" lang="en-US" altLang="zh-TW" sz="1800" b="0" i="1" smtClean="0">
+                          <a:latin typeface="Cambria Math" panose="02040503050406030204" pitchFamily="18" charset="0"/>
+                          <a:ea typeface="Cambria Math" panose="02040503050406030204" pitchFamily="18" charset="0"/>
+                        </a:rPr>
+                        <m:t>≤</m:t>
+                      </m:r>
+                      <m:r>
+                        <a:rPr kumimoji="1" lang="en-US" altLang="zh-TW" sz="1800" b="0" i="1" smtClean="0">
+                          <a:latin typeface="Cambria Math" panose="02040503050406030204" pitchFamily="18" charset="0"/>
+                          <a:ea typeface="Cambria Math" panose="02040503050406030204" pitchFamily="18" charset="0"/>
+                        </a:rPr>
+                        <m:t>𝑏</m:t>
+                      </m:r>
+                      <m:r>
+                        <a:rPr kumimoji="1" lang="en-US" altLang="zh-TW" sz="1800" b="0" i="1" smtClean="0">
+                          <a:latin typeface="Cambria Math" panose="02040503050406030204" pitchFamily="18" charset="0"/>
+                          <a:ea typeface="Cambria Math" panose="02040503050406030204" pitchFamily="18" charset="0"/>
+                        </a:rPr>
+                        <m:t>≤</m:t>
+                      </m:r>
+                      <m:r>
+                        <a:rPr kumimoji="1" lang="en-US" altLang="zh-TW" sz="1800" b="0" i="1" smtClean="0">
+                          <a:latin typeface="Cambria Math" panose="02040503050406030204" pitchFamily="18" charset="0"/>
+                          <a:ea typeface="Cambria Math" panose="02040503050406030204" pitchFamily="18" charset="0"/>
+                        </a:rPr>
+                        <m:t>𝑓𝑙𝑜𝑜𝑟</m:t>
+                      </m:r>
+                      <m:d>
+                        <m:dPr>
+                          <m:ctrlPr>
+                            <a:rPr kumimoji="1" lang="en-US" altLang="zh-TW" sz="1800" b="0" i="1" smtClean="0">
+                              <a:latin typeface="Cambria Math" panose="02040503050406030204" pitchFamily="18" charset="0"/>
+                              <a:ea typeface="Cambria Math" panose="02040503050406030204" pitchFamily="18" charset="0"/>
+                            </a:rPr>
+                          </m:ctrlPr>
+                        </m:dPr>
+                        <m:e>
+                          <m:r>
+                            <m:rPr>
+                              <m:nor/>
+                            </m:rPr>
+                            <a:rPr lang="en-US" altLang="zh-TW" sz="1800" dirty="0"/>
+                            <m:t>50000</m:t>
+                          </m:r>
+                          <m:f>
+                            <m:fPr>
+                              <m:ctrlPr>
+                                <a:rPr lang="en-US" altLang="zh-TW" sz="1800" i="1" dirty="0">
+                                  <a:latin typeface="Cambria Math" panose="02040503050406030204" pitchFamily="18" charset="0"/>
+                                </a:rPr>
+                              </m:ctrlPr>
+                            </m:fPr>
+                            <m:num>
+                              <m:r>
+                                <a:rPr lang="en-US" altLang="zh-TW" sz="1800" i="1">
+                                  <a:latin typeface="Cambria Math" panose="02040503050406030204" pitchFamily="18" charset="0"/>
+                                </a:rPr>
+                                <m:t>1.2873</m:t>
+                              </m:r>
+                            </m:num>
+                            <m:den>
+                              <m:r>
+                                <a:rPr lang="en-US" altLang="zh-TW" sz="1800" i="1" dirty="0">
+                                  <a:latin typeface="Cambria Math" panose="02040503050406030204" pitchFamily="18" charset="0"/>
+                                </a:rPr>
+                                <m:t>𝑙𝑜𝑔</m:t>
+                              </m:r>
+                              <m:r>
+                                <a:rPr lang="en-US" altLang="zh-TW" sz="1800" i="1" dirty="0">
+                                  <a:latin typeface="Cambria Math" panose="02040503050406030204" pitchFamily="18" charset="0"/>
+                                </a:rPr>
+                                <m:t>2</m:t>
+                              </m:r>
+                            </m:den>
+                          </m:f>
+                          <m:r>
+                            <a:rPr lang="en-US" altLang="zh-TW" sz="1800" b="0" i="1" dirty="0" smtClean="0">
+                              <a:latin typeface="Cambria Math" panose="02040503050406030204" pitchFamily="18" charset="0"/>
+                            </a:rPr>
+                            <m:t>+</m:t>
+                          </m:r>
+                          <m:r>
+                            <m:rPr>
+                              <m:nor/>
+                            </m:rPr>
+                            <a:rPr lang="en-US" altLang="zh-TW" sz="1800" dirty="0"/>
+                            <m:t>50000</m:t>
+                          </m:r>
+                        </m:e>
+                      </m:d>
+                    </m:oMath>
+                  </m:oMathPara>
+                </a14:m>
+                <a:endParaRPr kumimoji="1" lang="en-US" altLang="zh-TW" sz="1800" b="0" i="1" dirty="0">
+                  <a:latin typeface="Cambria Math" panose="02040503050406030204" pitchFamily="18" charset="0"/>
+                  <a:ea typeface="Cambria Math" panose="02040503050406030204" pitchFamily="18" charset="0"/>
+                </a:endParaRPr>
+              </a:p>
+              <a:p>
+                <a14:m>
+                  <m:oMathPara xmlns:m="http://schemas.openxmlformats.org/officeDocument/2006/math">
+                    <m:oMathParaPr>
+                      <m:jc m:val="centerGroup"/>
+                    </m:oMathParaPr>
+                    <m:oMath xmlns:m="http://schemas.openxmlformats.org/officeDocument/2006/math">
+                      <m:r>
+                        <a:rPr lang="en-US" altLang="zh-TW" sz="1800" i="1">
+                          <a:latin typeface="Cambria Math" panose="02040503050406030204" pitchFamily="18" charset="0"/>
+                          <a:ea typeface="Cambria Math" panose="02040503050406030204" pitchFamily="18" charset="0"/>
+                        </a:rPr>
+                        <m:t>⇒928</m:t>
+                      </m:r>
+                      <m:r>
+                        <a:rPr lang="en-US" altLang="zh-TW" sz="1800" b="0" i="1" smtClean="0">
+                          <a:latin typeface="Cambria Math" panose="02040503050406030204" pitchFamily="18" charset="0"/>
+                          <a:ea typeface="Cambria Math" panose="02040503050406030204" pitchFamily="18" charset="0"/>
+                        </a:rPr>
+                        <m:t>60</m:t>
+                      </m:r>
+                      <m:r>
+                        <a:rPr lang="en-US" altLang="zh-TW" sz="1800" i="1">
+                          <a:latin typeface="Cambria Math" panose="02040503050406030204" pitchFamily="18" charset="0"/>
+                          <a:ea typeface="Cambria Math" panose="02040503050406030204" pitchFamily="18" charset="0"/>
+                        </a:rPr>
+                        <m:t>≤</m:t>
+                      </m:r>
+                      <m:r>
+                        <a:rPr lang="en-US" altLang="zh-TW" sz="1800" i="1">
+                          <a:latin typeface="Cambria Math" panose="02040503050406030204" pitchFamily="18" charset="0"/>
+                          <a:ea typeface="Cambria Math" panose="02040503050406030204" pitchFamily="18" charset="0"/>
+                        </a:rPr>
+                        <m:t>𝑏</m:t>
+                      </m:r>
+                      <m:r>
+                        <a:rPr lang="en-US" altLang="zh-TW" sz="1800" i="1">
+                          <a:latin typeface="Cambria Math" panose="02040503050406030204" pitchFamily="18" charset="0"/>
+                          <a:ea typeface="Cambria Math" panose="02040503050406030204" pitchFamily="18" charset="0"/>
+                        </a:rPr>
+                        <m:t>≤142859</m:t>
+                      </m:r>
+                    </m:oMath>
+                  </m:oMathPara>
+                </a14:m>
+                <a:endParaRPr kumimoji="1" lang="en-US" altLang="zh-TW" sz="1800" dirty="0"/>
+              </a:p>
+              <a:p>
+                <a:r>
+                  <a:rPr kumimoji="1" lang="en-US" altLang="zh-TW" sz="1800" dirty="0"/>
+                  <a:t>(ii)</a:t>
+                </a:r>
+              </a:p>
+              <a:p>
+                <a:endParaRPr kumimoji="1" lang="en-US" altLang="zh-TW" sz="1800" dirty="0"/>
+              </a:p>
+              <a:p>
+                <a:endParaRPr kumimoji="1" lang="en-US" altLang="zh-TW" sz="1800" dirty="0"/>
+              </a:p>
+              <a:p>
+                <a14:m>
+                  <m:oMathPara xmlns:m="http://schemas.openxmlformats.org/officeDocument/2006/math">
+                    <m:oMathParaPr>
+                      <m:jc m:val="centerGroup"/>
+                    </m:oMathParaPr>
+                    <m:oMath xmlns:m="http://schemas.openxmlformats.org/officeDocument/2006/math">
+                      <m:r>
+                        <a:rPr kumimoji="1" lang="en-US" altLang="zh-TW" sz="1800" b="0" i="1" smtClean="0">
+                          <a:latin typeface="Cambria Math" panose="02040503050406030204" pitchFamily="18" charset="0"/>
+                        </a:rPr>
+                        <m:t>⇒</m:t>
+                      </m:r>
+                      <m:r>
+                        <a:rPr kumimoji="1" lang="en-US" altLang="zh-TW" sz="1800" b="0" i="1" smtClean="0">
+                          <a:latin typeface="Cambria Math" panose="02040503050406030204" pitchFamily="18" charset="0"/>
+                        </a:rPr>
+                        <m:t>𝑐𝑒𝑖𝑙</m:t>
+                      </m:r>
+                      <m:d>
+                        <m:dPr>
+                          <m:ctrlPr>
+                            <a:rPr kumimoji="1" lang="en-US" altLang="zh-TW" sz="1800" b="0" i="1" smtClean="0">
+                              <a:latin typeface="Cambria Math" panose="02040503050406030204" pitchFamily="18" charset="0"/>
+                            </a:rPr>
+                          </m:ctrlPr>
+                        </m:dPr>
+                        <m:e>
+                          <m:r>
+                            <m:rPr>
+                              <m:nor/>
+                            </m:rPr>
+                            <a:rPr lang="en-US" altLang="zh-TW" sz="1800" dirty="0"/>
+                            <m:t>50000</m:t>
+                          </m:r>
+                          <m:f>
+                            <m:fPr>
+                              <m:ctrlPr>
+                                <a:rPr lang="en-US" altLang="zh-TW" sz="1800" i="1" dirty="0" smtClean="0">
+                                  <a:latin typeface="Cambria Math" panose="02040503050406030204" pitchFamily="18" charset="0"/>
+                                </a:rPr>
+                              </m:ctrlPr>
+                            </m:fPr>
+                            <m:num>
+                              <m:r>
+                                <a:rPr lang="en-US" altLang="zh-TW" sz="1800" i="1">
+                                  <a:latin typeface="Cambria Math" panose="02040503050406030204" pitchFamily="18" charset="0"/>
+                                </a:rPr>
+                                <m:t>1.2873</m:t>
+                              </m:r>
+                            </m:num>
+                            <m:den>
+                              <m:r>
+                                <a:rPr lang="en-US" altLang="zh-TW" sz="1800" b="0" i="1" dirty="0" smtClean="0">
+                                  <a:latin typeface="Cambria Math" panose="02040503050406030204" pitchFamily="18" charset="0"/>
+                                </a:rPr>
+                                <m:t>𝑙𝑜𝑔</m:t>
+                              </m:r>
+                              <m:r>
+                                <a:rPr lang="en-US" altLang="zh-TW" sz="1800" b="0" i="1" dirty="0" smtClean="0">
+                                  <a:latin typeface="Cambria Math" panose="02040503050406030204" pitchFamily="18" charset="0"/>
+                                </a:rPr>
+                                <m:t>2</m:t>
+                              </m:r>
+                            </m:den>
+                          </m:f>
+                        </m:e>
+                      </m:d>
+                      <m:r>
+                        <a:rPr kumimoji="1" lang="en-US" altLang="zh-TW" sz="1800" b="0" i="1" smtClean="0">
+                          <a:latin typeface="Cambria Math" panose="02040503050406030204" pitchFamily="18" charset="0"/>
+                          <a:ea typeface="Cambria Math" panose="02040503050406030204" pitchFamily="18" charset="0"/>
+                        </a:rPr>
+                        <m:t>≤</m:t>
+                      </m:r>
+                      <m:r>
+                        <a:rPr kumimoji="1" lang="en-US" altLang="zh-TW" sz="1800" b="0" i="1" smtClean="0">
+                          <a:latin typeface="Cambria Math" panose="02040503050406030204" pitchFamily="18" charset="0"/>
+                          <a:ea typeface="Cambria Math" panose="02040503050406030204" pitchFamily="18" charset="0"/>
+                        </a:rPr>
+                        <m:t>𝑏</m:t>
+                      </m:r>
+                      <m:r>
+                        <a:rPr kumimoji="1" lang="en-US" altLang="zh-TW" sz="1800" b="0" i="1" smtClean="0">
+                          <a:latin typeface="Cambria Math" panose="02040503050406030204" pitchFamily="18" charset="0"/>
+                          <a:ea typeface="Cambria Math" panose="02040503050406030204" pitchFamily="18" charset="0"/>
+                        </a:rPr>
+                        <m:t>≤</m:t>
+                      </m:r>
+                      <m:r>
+                        <a:rPr kumimoji="1" lang="en-US" altLang="zh-TW" sz="1800" b="0" i="1" smtClean="0">
+                          <a:latin typeface="Cambria Math" panose="02040503050406030204" pitchFamily="18" charset="0"/>
+                          <a:ea typeface="Cambria Math" panose="02040503050406030204" pitchFamily="18" charset="0"/>
+                        </a:rPr>
+                        <m:t>𝑓𝑙𝑜𝑜𝑟</m:t>
+                      </m:r>
+                      <m:d>
+                        <m:dPr>
+                          <m:ctrlPr>
+                            <a:rPr kumimoji="1" lang="en-US" altLang="zh-TW" sz="1800" b="0" i="1" smtClean="0">
+                              <a:latin typeface="Cambria Math" panose="02040503050406030204" pitchFamily="18" charset="0"/>
+                              <a:ea typeface="Cambria Math" panose="02040503050406030204" pitchFamily="18" charset="0"/>
+                            </a:rPr>
+                          </m:ctrlPr>
+                        </m:dPr>
+                        <m:e>
+                          <m:r>
+                            <m:rPr>
+                              <m:nor/>
+                            </m:rPr>
+                            <a:rPr lang="en-US" altLang="zh-TW" sz="1800" dirty="0"/>
+                            <m:t>50000</m:t>
+                          </m:r>
+                          <m:f>
+                            <m:fPr>
+                              <m:ctrlPr>
+                                <a:rPr lang="en-US" altLang="zh-TW" sz="1800" i="1" dirty="0">
+                                  <a:latin typeface="Cambria Math" panose="02040503050406030204" pitchFamily="18" charset="0"/>
+                                </a:rPr>
+                              </m:ctrlPr>
+                            </m:fPr>
+                            <m:num>
+                              <m:r>
+                                <a:rPr lang="en-US" altLang="zh-TW" sz="1800" i="1">
+                                  <a:latin typeface="Cambria Math" panose="02040503050406030204" pitchFamily="18" charset="0"/>
+                                </a:rPr>
+                                <m:t>1.2873</m:t>
+                              </m:r>
+                            </m:num>
+                            <m:den>
+                              <m:r>
+                                <a:rPr lang="en-US" altLang="zh-TW" sz="1800" i="1" dirty="0">
+                                  <a:latin typeface="Cambria Math" panose="02040503050406030204" pitchFamily="18" charset="0"/>
+                                </a:rPr>
+                                <m:t>𝑙𝑜𝑔</m:t>
+                              </m:r>
+                              <m:r>
+                                <a:rPr lang="en-US" altLang="zh-TW" sz="1800" i="1" dirty="0">
+                                  <a:latin typeface="Cambria Math" panose="02040503050406030204" pitchFamily="18" charset="0"/>
+                                </a:rPr>
+                                <m:t>2</m:t>
+                              </m:r>
+                            </m:den>
+                          </m:f>
+                          <m:r>
+                            <a:rPr lang="en-US" altLang="zh-TW" sz="1800" b="0" i="1" dirty="0" smtClean="0">
+                              <a:latin typeface="Cambria Math" panose="02040503050406030204" pitchFamily="18" charset="0"/>
+                            </a:rPr>
+                            <m:t>+</m:t>
+                          </m:r>
+                          <m:r>
+                            <m:rPr>
+                              <m:nor/>
+                            </m:rPr>
+                            <a:rPr lang="en-US" altLang="zh-TW" sz="1800" b="0" i="0" dirty="0" smtClean="0">
+                              <a:latin typeface="Cambria Math" panose="02040503050406030204" pitchFamily="18" charset="0"/>
+                            </a:rPr>
+                            <m:t>1+1</m:t>
+                          </m:r>
+                        </m:e>
+                      </m:d>
+                    </m:oMath>
+                  </m:oMathPara>
+                </a14:m>
+                <a:endParaRPr kumimoji="1" lang="en-US" altLang="zh-TW" sz="1800" b="0" i="1" dirty="0">
+                  <a:latin typeface="Cambria Math" panose="02040503050406030204" pitchFamily="18" charset="0"/>
+                  <a:ea typeface="Cambria Math" panose="02040503050406030204" pitchFamily="18" charset="0"/>
+                </a:endParaRPr>
+              </a:p>
+              <a:p>
+                <a14:m>
+                  <m:oMathPara xmlns:m="http://schemas.openxmlformats.org/officeDocument/2006/math">
+                    <m:oMathParaPr>
+                      <m:jc m:val="centerGroup"/>
+                    </m:oMathParaPr>
+                    <m:oMath xmlns:m="http://schemas.openxmlformats.org/officeDocument/2006/math">
+                      <m:r>
+                        <a:rPr lang="en-US" altLang="zh-TW" sz="1800" i="1" smtClean="0">
+                          <a:latin typeface="Cambria Math" panose="02040503050406030204" pitchFamily="18" charset="0"/>
+                          <a:ea typeface="Cambria Math" panose="02040503050406030204" pitchFamily="18" charset="0"/>
+                        </a:rPr>
+                        <m:t>⇒928</m:t>
+                      </m:r>
+                      <m:r>
+                        <a:rPr lang="en-US" altLang="zh-TW" sz="1800" b="0" i="1" smtClean="0">
+                          <a:latin typeface="Cambria Math" panose="02040503050406030204" pitchFamily="18" charset="0"/>
+                          <a:ea typeface="Cambria Math" panose="02040503050406030204" pitchFamily="18" charset="0"/>
+                        </a:rPr>
+                        <m:t>60</m:t>
+                      </m:r>
+                      <m:r>
+                        <a:rPr lang="en-US" altLang="zh-TW" sz="1800" i="1">
+                          <a:latin typeface="Cambria Math" panose="02040503050406030204" pitchFamily="18" charset="0"/>
+                          <a:ea typeface="Cambria Math" panose="02040503050406030204" pitchFamily="18" charset="0"/>
+                        </a:rPr>
+                        <m:t>≤</m:t>
+                      </m:r>
+                      <m:r>
+                        <a:rPr lang="en-US" altLang="zh-TW" sz="1800" i="1">
+                          <a:latin typeface="Cambria Math" panose="02040503050406030204" pitchFamily="18" charset="0"/>
+                          <a:ea typeface="Cambria Math" panose="02040503050406030204" pitchFamily="18" charset="0"/>
+                        </a:rPr>
+                        <m:t>𝑏</m:t>
+                      </m:r>
+                      <m:r>
+                        <a:rPr lang="en-US" altLang="zh-TW" sz="1800" i="1">
+                          <a:latin typeface="Cambria Math" panose="02040503050406030204" pitchFamily="18" charset="0"/>
+                          <a:ea typeface="Cambria Math" panose="02040503050406030204" pitchFamily="18" charset="0"/>
+                        </a:rPr>
+                        <m:t>≤92861</m:t>
+                      </m:r>
+                    </m:oMath>
+                  </m:oMathPara>
+                </a14:m>
+                <a:endParaRPr kumimoji="1" lang="en-US" altLang="zh-TW" sz="1800" dirty="0"/>
+              </a:p>
+              <a:p>
+                <a:endParaRPr kumimoji="1" lang="zh-TW" altLang="en-US" sz="1800" dirty="0"/>
+              </a:p>
+            </p:txBody>
+          </p:sp>
+        </mc:Choice>
+        <mc:Fallback>
+          <p:sp>
+            <p:nvSpPr>
+              <p:cNvPr id="2" name="文字方塊 1">
+                <a:extLst>
+                  <a:ext uri="{FF2B5EF4-FFF2-40B4-BE49-F238E27FC236}">
+                    <a16:creationId xmlns:a16="http://schemas.microsoft.com/office/drawing/2014/main" id="{B57F3B43-A1BE-30D0-172E-671FE4E1F4D9}"/>
+                  </a:ext>
+                </a:extLst>
+              </p:cNvPr>
+              <p:cNvSpPr txBox="1">
+                <a:spLocks noRot="1" noChangeAspect="1" noMove="1" noResize="1" noEditPoints="1" noAdjustHandles="1" noChangeArrowheads="1" noChangeShapeType="1" noTextEdit="1"/>
+              </p:cNvSpPr>
+              <p:nvPr/>
+            </p:nvSpPr>
+            <p:spPr>
+              <a:xfrm>
+                <a:off x="323528" y="1916832"/>
+                <a:ext cx="8424936" cy="5116914"/>
+              </a:xfrm>
+              <a:prstGeom prst="rect">
+                <a:avLst/>
+              </a:prstGeom>
+              <a:blipFill>
+                <a:blip r:embed="rId2"/>
+                <a:stretch>
+                  <a:fillRect l="-602" t="-5941"/>
+                </a:stretch>
+              </a:blipFill>
+            </p:spPr>
+            <p:txBody>
+              <a:bodyPr/>
+              <a:lstStyle/>
+              <a:p>
+                <a:r>
+                  <a:rPr lang="zh-TW" altLang="en-US">
+                    <a:noFill/>
+                  </a:rPr>
+                  <a:t> </a:t>
+                </a:r>
+              </a:p>
+            </p:txBody>
+          </p:sp>
+        </mc:Fallback>
+      </mc:AlternateContent>
+      <p:pic>
+        <p:nvPicPr>
+          <p:cNvPr id="4" name="圖片 3">
+            <a:extLst>
+              <a:ext uri="{FF2B5EF4-FFF2-40B4-BE49-F238E27FC236}">
+                <a16:creationId xmlns:a16="http://schemas.microsoft.com/office/drawing/2014/main" id="{75270F52-A95E-8B10-EFFF-C408DFDF5220}"/>
+              </a:ext>
+            </a:extLst>
+          </p:cNvPr>
+          <p:cNvPicPr>
+            <a:picLocks noChangeAspect="1"/>
+          </p:cNvPicPr>
+          <p:nvPr/>
+        </p:nvPicPr>
+        <p:blipFill>
+          <a:blip r:embed="rId3">
+            <a:extLst>
+              <a:ext uri="{28A0092B-C50C-407E-A947-70E740481C1C}">
+                <a14:useLocalDpi xmlns:a14="http://schemas.microsoft.com/office/drawing/2010/main" val="0"/>
+              </a:ext>
+            </a:extLst>
+          </a:blip>
+          <a:stretch>
+            <a:fillRect/>
+          </a:stretch>
+        </p:blipFill>
+        <p:spPr>
+          <a:xfrm>
+            <a:off x="2193716" y="1916832"/>
+            <a:ext cx="4756568" cy="630009"/>
+          </a:xfrm>
+          <a:prstGeom prst="rect">
+            <a:avLst/>
+          </a:prstGeom>
+        </p:spPr>
+      </p:pic>
+      <p:pic>
+        <p:nvPicPr>
+          <p:cNvPr id="7" name="圖片 6">
+            <a:extLst>
+              <a:ext uri="{FF2B5EF4-FFF2-40B4-BE49-F238E27FC236}">
+                <a16:creationId xmlns:a16="http://schemas.microsoft.com/office/drawing/2014/main" id="{6F4182F5-7EAA-63FF-4249-45E6462A6F61}"/>
+              </a:ext>
+            </a:extLst>
+          </p:cNvPr>
+          <p:cNvPicPr>
+            <a:picLocks noChangeAspect="1"/>
+          </p:cNvPicPr>
+          <p:nvPr/>
+        </p:nvPicPr>
+        <p:blipFill rotWithShape="1">
+          <a:blip r:embed="rId4">
+            <a:extLst>
+              <a:ext uri="{28A0092B-C50C-407E-A947-70E740481C1C}">
+                <a14:useLocalDpi xmlns:a14="http://schemas.microsoft.com/office/drawing/2010/main" val="0"/>
+              </a:ext>
+            </a:extLst>
+          </a:blip>
+          <a:srcRect t="-4882" r="679" b="-1"/>
+          <a:stretch/>
+        </p:blipFill>
+        <p:spPr>
+          <a:xfrm>
+            <a:off x="2528003" y="3429000"/>
+            <a:ext cx="4060222" cy="630009"/>
+          </a:xfrm>
+          <a:prstGeom prst="rect">
+            <a:avLst/>
+          </a:prstGeom>
+        </p:spPr>
+      </p:pic>
+      <p:pic>
+        <p:nvPicPr>
+          <p:cNvPr id="9" name="圖片 8">
+            <a:extLst>
+              <a:ext uri="{FF2B5EF4-FFF2-40B4-BE49-F238E27FC236}">
+                <a16:creationId xmlns:a16="http://schemas.microsoft.com/office/drawing/2014/main" id="{0B4C49A5-A1EB-0BC2-8795-EF4CDF5F37E5}"/>
+              </a:ext>
+            </a:extLst>
+          </p:cNvPr>
+          <p:cNvPicPr>
+            <a:picLocks noChangeAspect="1"/>
+          </p:cNvPicPr>
+          <p:nvPr/>
+        </p:nvPicPr>
+        <p:blipFill rotWithShape="1">
+          <a:blip r:embed="rId5">
+            <a:extLst>
+              <a:ext uri="{28A0092B-C50C-407E-A947-70E740481C1C}">
+                <a14:useLocalDpi xmlns:a14="http://schemas.microsoft.com/office/drawing/2010/main" val="0"/>
+              </a:ext>
+            </a:extLst>
+          </a:blip>
+          <a:srcRect l="1" r="589"/>
+          <a:stretch/>
+        </p:blipFill>
+        <p:spPr>
+          <a:xfrm>
+            <a:off x="2094531" y="5103246"/>
+            <a:ext cx="4925741" cy="630010"/>
+          </a:xfrm>
+          <a:prstGeom prst="rect">
+            <a:avLst/>
+          </a:prstGeom>
+        </p:spPr>
+      </p:pic>
     </p:spTree>
     <p:extLst>
       <p:ext uri="{BB962C8B-B14F-4D97-AF65-F5344CB8AC3E}">
@@ -8645,6 +9786,128 @@
           </a:p>
         </p:txBody>
       </p:sp>
+      <p:sp>
+        <p:nvSpPr>
+          <p:cNvPr id="2" name="文字方塊 1">
+            <a:extLst>
+              <a:ext uri="{FF2B5EF4-FFF2-40B4-BE49-F238E27FC236}">
+                <a16:creationId xmlns:a16="http://schemas.microsoft.com/office/drawing/2014/main" id="{B08A09B0-AC67-46B2-0293-ECB723EE815D}"/>
+              </a:ext>
+            </a:extLst>
+          </p:cNvPr>
+          <p:cNvSpPr txBox="1"/>
+          <p:nvPr/>
+        </p:nvSpPr>
+        <p:spPr>
+          <a:xfrm>
+            <a:off x="338501" y="1340768"/>
+            <a:ext cx="8466995" cy="1015663"/>
+          </a:xfrm>
+          <a:prstGeom prst="rect">
+            <a:avLst/>
+          </a:prstGeom>
+          <a:noFill/>
+        </p:spPr>
+        <p:txBody>
+          <a:bodyPr wrap="square" rtlCol="0">
+            <a:spAutoFit/>
+          </a:bodyPr>
+          <a:lstStyle/>
+          <a:p>
+            <a:r>
+              <a:rPr kumimoji="1" lang="en-US" altLang="zh-TW" dirty="0"/>
+              <a:t>Q</a:t>
+            </a:r>
+            <a:r>
+              <a:rPr kumimoji="1" lang="zh-TW" altLang="en-US" dirty="0"/>
+              <a:t>：</a:t>
+            </a:r>
+            <a:r>
+              <a:rPr lang="en-US" altLang="zh-TW" dirty="0" err="1"/>
+              <a:t>cepstrum</a:t>
+            </a:r>
+            <a:r>
+              <a:rPr lang="zh-TW" altLang="en-US" dirty="0"/>
+              <a:t> </a:t>
+            </a:r>
+            <a:r>
+              <a:rPr kumimoji="1" lang="zh-TW" altLang="en-US" dirty="0"/>
+              <a:t>要取前面幾個 </a:t>
+            </a:r>
+            <a:r>
+              <a:rPr kumimoji="1" lang="en-US" altLang="zh-TW" dirty="0"/>
+              <a:t>coefficient</a:t>
+            </a:r>
+            <a:r>
+              <a:rPr kumimoji="1" lang="zh-TW" altLang="en-US" dirty="0"/>
+              <a:t> </a:t>
+            </a:r>
+            <a:r>
+              <a:rPr kumimoji="1" lang="en-US" altLang="zh-TW" dirty="0"/>
+              <a:t>?</a:t>
+            </a:r>
+          </a:p>
+          <a:p>
+            <a:endParaRPr kumimoji="1" lang="en-US" altLang="zh-TW" dirty="0"/>
+          </a:p>
+          <a:p>
+            <a:r>
+              <a:rPr kumimoji="1" lang="en-US" altLang="zh-TW" dirty="0"/>
+              <a:t>A</a:t>
+            </a:r>
+            <a:r>
+              <a:rPr kumimoji="1" lang="zh-TW" altLang="en-US" dirty="0"/>
+              <a:t>：</a:t>
+            </a:r>
+            <a:r>
+              <a:rPr kumimoji="1" lang="en-US" altLang="zh-TW" dirty="0"/>
+              <a:t>13</a:t>
+            </a:r>
+            <a:r>
+              <a:rPr kumimoji="1" lang="zh-TW" altLang="en-US" dirty="0"/>
+              <a:t>個，</a:t>
+            </a:r>
+            <a:endParaRPr lang="en-US" altLang="zh-TW" dirty="0"/>
+          </a:p>
+        </p:txBody>
+      </p:sp>
+      <p:pic>
+        <p:nvPicPr>
+          <p:cNvPr id="4" name="圖片 3">
+            <a:extLst>
+              <a:ext uri="{FF2B5EF4-FFF2-40B4-BE49-F238E27FC236}">
+                <a16:creationId xmlns:a16="http://schemas.microsoft.com/office/drawing/2014/main" id="{BD19272C-89A7-22E4-104C-FDEFB17DB25B}"/>
+              </a:ext>
+            </a:extLst>
+          </p:cNvPr>
+          <p:cNvPicPr>
+            <a:picLocks noChangeAspect="1"/>
+          </p:cNvPicPr>
+          <p:nvPr/>
+        </p:nvPicPr>
+        <p:blipFill>
+          <a:blip r:embed="rId2">
+            <a:biLevel thresh="75000"/>
+            <a:extLst>
+              <a:ext uri="{28A0092B-C50C-407E-A947-70E740481C1C}">
+                <a14:useLocalDpi xmlns:a14="http://schemas.microsoft.com/office/drawing/2010/main" val="0"/>
+              </a:ext>
+            </a:extLst>
+          </a:blip>
+          <a:stretch>
+            <a:fillRect/>
+          </a:stretch>
+        </p:blipFill>
+        <p:spPr>
+          <a:xfrm>
+            <a:off x="1691680" y="1907163"/>
+            <a:ext cx="3544826" cy="482432"/>
+          </a:xfrm>
+          <a:prstGeom prst="rect">
+            <a:avLst/>
+          </a:prstGeom>
+        </p:spPr>
+      </p:pic>
     </p:spTree>
     <p:extLst>
       <p:ext uri="{BB962C8B-B14F-4D97-AF65-F5344CB8AC3E}">

--- a/HW3/r10943181_HW3.pptx
+++ b/HW3/r10943181_HW3.pptx
@@ -246,7 +246,7 @@
             <a:fld id="{F1E5FC5B-703B-46E4-B325-7F44849A055B}" type="datetimeFigureOut">
               <a:rPr lang="zh-TW" altLang="en-US" smtClean="0"/>
               <a:pPr/>
-              <a:t>2023/4/30</a:t>
+              <a:t>2023/5/1</a:t>
             </a:fld>
             <a:endParaRPr lang="zh-TW" altLang="en-US"/>
           </a:p>
@@ -3995,6 +3995,78 @@
           </a:p>
         </p:txBody>
       </p:sp>
+      <p:pic>
+        <p:nvPicPr>
+          <p:cNvPr id="4" name="圖片 3">
+            <a:extLst>
+              <a:ext uri="{FF2B5EF4-FFF2-40B4-BE49-F238E27FC236}">
+                <a16:creationId xmlns:a16="http://schemas.microsoft.com/office/drawing/2014/main" id="{28EDD6ED-9289-544D-F997-F1D261AC2CA3}"/>
+              </a:ext>
+            </a:extLst>
+          </p:cNvPr>
+          <p:cNvPicPr>
+            <a:picLocks noChangeAspect="1"/>
+          </p:cNvPicPr>
+          <p:nvPr/>
+        </p:nvPicPr>
+        <p:blipFill>
+          <a:blip r:embed="rId2">
+            <a:extLst>
+              <a:ext uri="{28A0092B-C50C-407E-A947-70E740481C1C}">
+                <a14:useLocalDpi xmlns:a14="http://schemas.microsoft.com/office/drawing/2010/main" val="0"/>
+              </a:ext>
+            </a:extLst>
+          </a:blip>
+          <a:stretch>
+            <a:fillRect/>
+          </a:stretch>
+        </p:blipFill>
+        <p:spPr>
+          <a:xfrm>
+            <a:off x="303843" y="3185649"/>
+            <a:ext cx="4212418" cy="3159313"/>
+          </a:xfrm>
+          <a:prstGeom prst="rect">
+            <a:avLst/>
+          </a:prstGeom>
+        </p:spPr>
+      </p:pic>
+      <p:pic>
+        <p:nvPicPr>
+          <p:cNvPr id="7" name="圖片 6">
+            <a:extLst>
+              <a:ext uri="{FF2B5EF4-FFF2-40B4-BE49-F238E27FC236}">
+                <a16:creationId xmlns:a16="http://schemas.microsoft.com/office/drawing/2014/main" id="{4E5DFACE-29A9-9A8A-4D1A-532AF62BC799}"/>
+              </a:ext>
+            </a:extLst>
+          </p:cNvPr>
+          <p:cNvPicPr>
+            <a:picLocks noChangeAspect="1"/>
+          </p:cNvPicPr>
+          <p:nvPr/>
+        </p:nvPicPr>
+        <p:blipFill>
+          <a:blip r:embed="rId3">
+            <a:extLst>
+              <a:ext uri="{28A0092B-C50C-407E-A947-70E740481C1C}">
+                <a14:useLocalDpi xmlns:a14="http://schemas.microsoft.com/office/drawing/2010/main" val="0"/>
+              </a:ext>
+            </a:extLst>
+          </a:blip>
+          <a:stretch>
+            <a:fillRect/>
+          </a:stretch>
+        </p:blipFill>
+        <p:spPr>
+          <a:xfrm>
+            <a:off x="4627739" y="3180837"/>
+            <a:ext cx="4212418" cy="3159313"/>
+          </a:xfrm>
+          <a:prstGeom prst="rect">
+            <a:avLst/>
+          </a:prstGeom>
+        </p:spPr>
+      </p:pic>
     </p:spTree>
     <p:extLst>
       <p:ext uri="{BB962C8B-B14F-4D97-AF65-F5344CB8AC3E}">
@@ -8747,8 +8819,8 @@
           </a:p>
         </p:txBody>
       </p:sp>
-      <mc:AlternateContent xmlns:mc="http://schemas.openxmlformats.org/markup-compatibility/2006">
-        <mc:Choice xmlns:a14="http://schemas.microsoft.com/office/drawing/2010/main" Requires="a14">
+      <mc:AlternateContent xmlns:mc="http://schemas.openxmlformats.org/markup-compatibility/2006" xmlns:a14="http://schemas.microsoft.com/office/drawing/2010/main">
+        <mc:Choice Requires="a14">
           <p:sp>
             <p:nvSpPr>
               <p:cNvPr id="2" name="文字方塊 1">
@@ -8783,6 +8855,7 @@
                 <a:endParaRPr lang="en-US" altLang="zh-TW" sz="1800" dirty="0"/>
               </a:p>
               <a:p>
+                <a:pPr/>
                 <a14:m>
                   <m:oMathPara xmlns:m="http://schemas.openxmlformats.org/officeDocument/2006/math">
                     <m:oMathParaPr>
@@ -9089,6 +9162,7 @@
                 <a:endParaRPr kumimoji="1" lang="en-US" altLang="zh-TW" sz="1800" dirty="0"/>
               </a:p>
               <a:p>
+                <a:pPr/>
                 <a14:m>
                   <m:oMathPara xmlns:m="http://schemas.openxmlformats.org/officeDocument/2006/math">
                     <m:oMathParaPr>
@@ -9256,6 +9330,7 @@
                 </a:endParaRPr>
               </a:p>
               <a:p>
+                <a:pPr/>
                 <a14:m>
                   <m:oMathPara xmlns:m="http://schemas.openxmlformats.org/officeDocument/2006/math">
                     <m:oMathParaPr>
@@ -9315,6 +9390,7 @@
                 <a:endParaRPr kumimoji="1" lang="en-US" altLang="zh-TW" sz="1800" dirty="0"/>
               </a:p>
               <a:p>
+                <a:pPr/>
                 <a14:m>
                   <m:oMathPara xmlns:m="http://schemas.openxmlformats.org/officeDocument/2006/math">
                     <m:oMathParaPr>
@@ -9484,6 +9560,7 @@
                 </a:endParaRPr>
               </a:p>
               <a:p>
+                <a:pPr/>
                 <a14:m>
                   <m:oMathPara xmlns:m="http://schemas.openxmlformats.org/officeDocument/2006/math">
                     <m:oMathParaPr>
@@ -9536,7 +9613,7 @@
             </p:txBody>
           </p:sp>
         </mc:Choice>
-        <mc:Fallback>
+        <mc:Fallback xmlns="">
           <p:sp>
             <p:nvSpPr>
               <p:cNvPr id="2" name="文字方塊 1">
